--- a/figures/frontend.pptx
+++ b/figures/frontend.pptx
@@ -243,7 +243,7 @@
           <a:p>
             <a:fld id="{EE221601-B579-4BB1-BE8A-6F39324E19B6}" type="datetimeFigureOut">
               <a:rPr lang="fr-FR" smtClean="0"/>
-              <a:t>08/08/2016</a:t>
+              <a:t>26/08/2016</a:t>
             </a:fld>
             <a:endParaRPr lang="fr-FR"/>
           </a:p>
@@ -413,7 +413,7 @@
           <a:p>
             <a:fld id="{EE221601-B579-4BB1-BE8A-6F39324E19B6}" type="datetimeFigureOut">
               <a:rPr lang="fr-FR" smtClean="0"/>
-              <a:t>08/08/2016</a:t>
+              <a:t>26/08/2016</a:t>
             </a:fld>
             <a:endParaRPr lang="fr-FR"/>
           </a:p>
@@ -593,7 +593,7 @@
           <a:p>
             <a:fld id="{EE221601-B579-4BB1-BE8A-6F39324E19B6}" type="datetimeFigureOut">
               <a:rPr lang="fr-FR" smtClean="0"/>
-              <a:t>08/08/2016</a:t>
+              <a:t>26/08/2016</a:t>
             </a:fld>
             <a:endParaRPr lang="fr-FR"/>
           </a:p>
@@ -763,7 +763,7 @@
           <a:p>
             <a:fld id="{EE221601-B579-4BB1-BE8A-6F39324E19B6}" type="datetimeFigureOut">
               <a:rPr lang="fr-FR" smtClean="0"/>
-              <a:t>08/08/2016</a:t>
+              <a:t>26/08/2016</a:t>
             </a:fld>
             <a:endParaRPr lang="fr-FR"/>
           </a:p>
@@ -1009,7 +1009,7 @@
           <a:p>
             <a:fld id="{EE221601-B579-4BB1-BE8A-6F39324E19B6}" type="datetimeFigureOut">
               <a:rPr lang="fr-FR" smtClean="0"/>
-              <a:t>08/08/2016</a:t>
+              <a:t>26/08/2016</a:t>
             </a:fld>
             <a:endParaRPr lang="fr-FR"/>
           </a:p>
@@ -1241,7 +1241,7 @@
           <a:p>
             <a:fld id="{EE221601-B579-4BB1-BE8A-6F39324E19B6}" type="datetimeFigureOut">
               <a:rPr lang="fr-FR" smtClean="0"/>
-              <a:t>08/08/2016</a:t>
+              <a:t>26/08/2016</a:t>
             </a:fld>
             <a:endParaRPr lang="fr-FR"/>
           </a:p>
@@ -1608,7 +1608,7 @@
           <a:p>
             <a:fld id="{EE221601-B579-4BB1-BE8A-6F39324E19B6}" type="datetimeFigureOut">
               <a:rPr lang="fr-FR" smtClean="0"/>
-              <a:t>08/08/2016</a:t>
+              <a:t>26/08/2016</a:t>
             </a:fld>
             <a:endParaRPr lang="fr-FR"/>
           </a:p>
@@ -1726,7 +1726,7 @@
           <a:p>
             <a:fld id="{EE221601-B579-4BB1-BE8A-6F39324E19B6}" type="datetimeFigureOut">
               <a:rPr lang="fr-FR" smtClean="0"/>
-              <a:t>08/08/2016</a:t>
+              <a:t>26/08/2016</a:t>
             </a:fld>
             <a:endParaRPr lang="fr-FR"/>
           </a:p>
@@ -1821,7 +1821,7 @@
           <a:p>
             <a:fld id="{EE221601-B579-4BB1-BE8A-6F39324E19B6}" type="datetimeFigureOut">
               <a:rPr lang="fr-FR" smtClean="0"/>
-              <a:t>08/08/2016</a:t>
+              <a:t>26/08/2016</a:t>
             </a:fld>
             <a:endParaRPr lang="fr-FR"/>
           </a:p>
@@ -2098,7 +2098,7 @@
           <a:p>
             <a:fld id="{EE221601-B579-4BB1-BE8A-6F39324E19B6}" type="datetimeFigureOut">
               <a:rPr lang="fr-FR" smtClean="0"/>
-              <a:t>08/08/2016</a:t>
+              <a:t>26/08/2016</a:t>
             </a:fld>
             <a:endParaRPr lang="fr-FR"/>
           </a:p>
@@ -2351,7 +2351,7 @@
           <a:p>
             <a:fld id="{EE221601-B579-4BB1-BE8A-6F39324E19B6}" type="datetimeFigureOut">
               <a:rPr lang="fr-FR" smtClean="0"/>
-              <a:t>08/08/2016</a:t>
+              <a:t>26/08/2016</a:t>
             </a:fld>
             <a:endParaRPr lang="fr-FR"/>
           </a:p>
@@ -2564,7 +2564,7 @@
           <a:p>
             <a:fld id="{EE221601-B579-4BB1-BE8A-6F39324E19B6}" type="datetimeFigureOut">
               <a:rPr lang="fr-FR" smtClean="0"/>
-              <a:t>08/08/2016</a:t>
+              <a:t>26/08/2016</a:t>
             </a:fld>
             <a:endParaRPr lang="fr-FR"/>
           </a:p>
@@ -3160,43 +3160,6 @@
             </p:pic>
             <p:cxnSp>
               <p:nvCxnSpPr>
-                <p:cNvPr id="22" name="Connecteur droit avec flèche 21"/>
-                <p:cNvCxnSpPr>
-                  <a:stCxn id="19" idx="3"/>
-                  <a:endCxn id="20" idx="2"/>
-                </p:cNvCxnSpPr>
-                <p:nvPr/>
-              </p:nvCxnSpPr>
-              <p:spPr>
-                <a:xfrm>
-                  <a:off x="2761909" y="1857202"/>
-                  <a:ext cx="1778086" cy="2421"/>
-                </a:xfrm>
-                <a:prstGeom prst="straightConnector1">
-                  <a:avLst/>
-                </a:prstGeom>
-                <a:ln>
-                  <a:headEnd type="triangle"/>
-                  <a:tailEnd type="triangle"/>
-                </a:ln>
-              </p:spPr>
-              <p:style>
-                <a:lnRef idx="1">
-                  <a:schemeClr val="accent1"/>
-                </a:lnRef>
-                <a:fillRef idx="0">
-                  <a:schemeClr val="accent1"/>
-                </a:fillRef>
-                <a:effectRef idx="0">
-                  <a:schemeClr val="accent1"/>
-                </a:effectRef>
-                <a:fontRef idx="minor">
-                  <a:schemeClr val="tx1"/>
-                </a:fontRef>
-              </p:style>
-            </p:cxnSp>
-            <p:cxnSp>
-              <p:nvCxnSpPr>
                 <p:cNvPr id="23" name="Connecteur droit avec flèche 22"/>
                 <p:cNvCxnSpPr>
                   <a:stCxn id="17" idx="4"/>
@@ -3365,8 +3328,8 @@
           </p:nvSpPr>
           <p:spPr>
             <a:xfrm>
-              <a:off x="1884841" y="5091326"/>
-              <a:ext cx="1877437" cy="646331"/>
+              <a:off x="1883860" y="5232724"/>
+              <a:ext cx="1675780" cy="369332"/>
             </a:xfrm>
             <a:prstGeom prst="rect">
               <a:avLst/>
@@ -3380,14 +3343,8 @@
             <a:lstStyle/>
             <a:p>
               <a:r>
-                <a:rPr lang="vi-VN" smtClean="0"/>
-                <a:t>Model-front-end </a:t>
-              </a:r>
-            </a:p>
-            <a:p>
-              <a:r>
-                <a:rPr lang="vi-VN" smtClean="0"/>
-                <a:t>sync</a:t>
+                <a:rPr lang="en-US" smtClean="0"/>
+                <a:t>Synchronization</a:t>
               </a:r>
               <a:endParaRPr lang="fr-FR"/>
             </a:p>
@@ -4376,17 +4333,7 @@
                     <a:latin typeface="Arial" panose="020B0604020202020204" pitchFamily="34" charset="0"/>
                     <a:cs typeface="Arial" panose="020B0604020202020204" pitchFamily="34" charset="0"/>
                   </a:rPr>
-                  <a:t>code </a:t>
-                </a:r>
-                <a:r>
-                  <a:rPr lang="vi-VN" sz="1600" smtClean="0">
-                    <a:solidFill>
-                      <a:schemeClr val="tx1"/>
-                    </a:solidFill>
-                    <a:latin typeface="Arial" panose="020B0604020202020204" pitchFamily="34" charset="0"/>
-                    <a:cs typeface="Arial" panose="020B0604020202020204" pitchFamily="34" charset="0"/>
-                  </a:rPr>
-                  <a:t>changes</a:t>
+                  <a:t>code changes</a:t>
                 </a:r>
                 <a:endParaRPr lang="en-US" sz="1600" smtClean="0">
                   <a:solidFill>
@@ -4783,6 +4730,216 @@
               <a:t>Programmer</a:t>
             </a:r>
             <a:endParaRPr lang="fr-FR"/>
+          </a:p>
+        </p:txBody>
+      </p:sp>
+      <p:sp>
+        <p:nvSpPr>
+          <p:cNvPr id="45" name="ZoneTexte 44"/>
+          <p:cNvSpPr txBox="1"/>
+          <p:nvPr/>
+        </p:nvSpPr>
+        <p:spPr>
+          <a:xfrm>
+            <a:off x="3466127" y="1230545"/>
+            <a:ext cx="1379673" cy="369332"/>
+          </a:xfrm>
+          <a:prstGeom prst="rect">
+            <a:avLst/>
+          </a:prstGeom>
+          <a:noFill/>
+        </p:spPr>
+        <p:txBody>
+          <a:bodyPr wrap="none" rtlCol="0">
+            <a:spAutoFit/>
+          </a:bodyPr>
+          <a:lstStyle/>
+          <a:p>
+            <a:r>
+              <a:rPr lang="en-US" smtClean="0"/>
+              <a:t>Modification</a:t>
+            </a:r>
+            <a:endParaRPr lang="fr-FR"/>
+          </a:p>
+        </p:txBody>
+      </p:sp>
+      <p:sp>
+        <p:nvSpPr>
+          <p:cNvPr id="46" name="ZoneTexte 45"/>
+          <p:cNvSpPr txBox="1"/>
+          <p:nvPr/>
+        </p:nvSpPr>
+        <p:spPr>
+          <a:xfrm>
+            <a:off x="6563216" y="1232236"/>
+            <a:ext cx="1379673" cy="369332"/>
+          </a:xfrm>
+          <a:prstGeom prst="rect">
+            <a:avLst/>
+          </a:prstGeom>
+          <a:noFill/>
+        </p:spPr>
+        <p:txBody>
+          <a:bodyPr wrap="none" rtlCol="0">
+            <a:spAutoFit/>
+          </a:bodyPr>
+          <a:lstStyle/>
+          <a:p>
+            <a:r>
+              <a:rPr lang="en-US" smtClean="0"/>
+              <a:t>Modification</a:t>
+            </a:r>
+            <a:endParaRPr lang="fr-FR"/>
+          </a:p>
+        </p:txBody>
+      </p:sp>
+      <p:sp>
+        <p:nvSpPr>
+          <p:cNvPr id="47" name="ZoneTexte 46"/>
+          <p:cNvSpPr txBox="1"/>
+          <p:nvPr/>
+        </p:nvSpPr>
+        <p:spPr>
+          <a:xfrm>
+            <a:off x="1130035" y="4553627"/>
+            <a:ext cx="1379673" cy="369332"/>
+          </a:xfrm>
+          <a:prstGeom prst="rect">
+            <a:avLst/>
+          </a:prstGeom>
+          <a:noFill/>
+        </p:spPr>
+        <p:txBody>
+          <a:bodyPr wrap="none" rtlCol="0">
+            <a:spAutoFit/>
+          </a:bodyPr>
+          <a:lstStyle/>
+          <a:p>
+            <a:r>
+              <a:rPr lang="en-US" smtClean="0"/>
+              <a:t>Modification</a:t>
+            </a:r>
+            <a:endParaRPr lang="fr-FR"/>
+          </a:p>
+        </p:txBody>
+      </p:sp>
+      <p:sp>
+        <p:nvSpPr>
+          <p:cNvPr id="48" name="ZoneTexte 47"/>
+          <p:cNvSpPr txBox="1"/>
+          <p:nvPr/>
+        </p:nvSpPr>
+        <p:spPr>
+          <a:xfrm>
+            <a:off x="4455086" y="4593964"/>
+            <a:ext cx="1379673" cy="369332"/>
+          </a:xfrm>
+          <a:prstGeom prst="rect">
+            <a:avLst/>
+          </a:prstGeom>
+          <a:noFill/>
+        </p:spPr>
+        <p:txBody>
+          <a:bodyPr wrap="none" rtlCol="0">
+            <a:spAutoFit/>
+          </a:bodyPr>
+          <a:lstStyle/>
+          <a:p>
+            <a:r>
+              <a:rPr lang="en-US" smtClean="0"/>
+              <a:t>Modification</a:t>
+            </a:r>
+            <a:endParaRPr lang="fr-FR"/>
+          </a:p>
+        </p:txBody>
+      </p:sp>
+      <p:sp>
+        <p:nvSpPr>
+          <p:cNvPr id="49" name="Flèche courbée vers le haut 48"/>
+          <p:cNvSpPr/>
+          <p:nvPr/>
+        </p:nvSpPr>
+        <p:spPr>
+          <a:xfrm>
+            <a:off x="1899272" y="5354151"/>
+            <a:ext cx="1778085" cy="321876"/>
+          </a:xfrm>
+          <a:prstGeom prst="curvedUpArrow">
+            <a:avLst/>
+          </a:prstGeom>
+          <a:noFill/>
+        </p:spPr>
+        <p:style>
+          <a:lnRef idx="2">
+            <a:schemeClr val="accent1">
+              <a:shade val="50000"/>
+            </a:schemeClr>
+          </a:lnRef>
+          <a:fillRef idx="1">
+            <a:schemeClr val="accent1"/>
+          </a:fillRef>
+          <a:effectRef idx="0">
+            <a:schemeClr val="accent1"/>
+          </a:effectRef>
+          <a:fontRef idx="minor">
+            <a:schemeClr val="lt1"/>
+          </a:fontRef>
+        </p:style>
+        <p:txBody>
+          <a:bodyPr rtlCol="0" anchor="ctr"/>
+          <a:lstStyle/>
+          <a:p>
+            <a:pPr algn="ctr"/>
+            <a:endParaRPr lang="fr-FR">
+              <a:solidFill>
+                <a:schemeClr val="tx1"/>
+              </a:solidFill>
+            </a:endParaRPr>
+          </a:p>
+        </p:txBody>
+      </p:sp>
+      <p:sp>
+        <p:nvSpPr>
+          <p:cNvPr id="50" name="Flèche courbée vers le haut 49"/>
+          <p:cNvSpPr/>
+          <p:nvPr/>
+        </p:nvSpPr>
+        <p:spPr>
+          <a:xfrm rot="10800000">
+            <a:off x="1868871" y="4963296"/>
+            <a:ext cx="1760083" cy="336704"/>
+          </a:xfrm>
+          <a:prstGeom prst="curvedUpArrow">
+            <a:avLst/>
+          </a:prstGeom>
+          <a:noFill/>
+        </p:spPr>
+        <p:style>
+          <a:lnRef idx="2">
+            <a:schemeClr val="accent1">
+              <a:shade val="50000"/>
+            </a:schemeClr>
+          </a:lnRef>
+          <a:fillRef idx="1">
+            <a:schemeClr val="accent1"/>
+          </a:fillRef>
+          <a:effectRef idx="0">
+            <a:schemeClr val="accent1"/>
+          </a:effectRef>
+          <a:fontRef idx="minor">
+            <a:schemeClr val="lt1"/>
+          </a:fontRef>
+        </p:style>
+        <p:txBody>
+          <a:bodyPr rtlCol="0" anchor="ctr"/>
+          <a:lstStyle/>
+          <a:p>
+            <a:pPr algn="ctr"/>
+            <a:endParaRPr lang="fr-FR">
+              <a:solidFill>
+                <a:schemeClr val="tx1"/>
+              </a:solidFill>
+            </a:endParaRPr>
           </a:p>
         </p:txBody>
       </p:sp>

--- a/figures/frontend.pptx
+++ b/figures/frontend.pptx
@@ -243,7 +243,7 @@
           <a:p>
             <a:fld id="{EE221601-B579-4BB1-BE8A-6F39324E19B6}" type="datetimeFigureOut">
               <a:rPr lang="fr-FR" smtClean="0"/>
-              <a:t>26/08/2016</a:t>
+              <a:t>24/09/2016</a:t>
             </a:fld>
             <a:endParaRPr lang="fr-FR"/>
           </a:p>
@@ -413,7 +413,7 @@
           <a:p>
             <a:fld id="{EE221601-B579-4BB1-BE8A-6F39324E19B6}" type="datetimeFigureOut">
               <a:rPr lang="fr-FR" smtClean="0"/>
-              <a:t>26/08/2016</a:t>
+              <a:t>24/09/2016</a:t>
             </a:fld>
             <a:endParaRPr lang="fr-FR"/>
           </a:p>
@@ -593,7 +593,7 @@
           <a:p>
             <a:fld id="{EE221601-B579-4BB1-BE8A-6F39324E19B6}" type="datetimeFigureOut">
               <a:rPr lang="fr-FR" smtClean="0"/>
-              <a:t>26/08/2016</a:t>
+              <a:t>24/09/2016</a:t>
             </a:fld>
             <a:endParaRPr lang="fr-FR"/>
           </a:p>
@@ -763,7 +763,7 @@
           <a:p>
             <a:fld id="{EE221601-B579-4BB1-BE8A-6F39324E19B6}" type="datetimeFigureOut">
               <a:rPr lang="fr-FR" smtClean="0"/>
-              <a:t>26/08/2016</a:t>
+              <a:t>24/09/2016</a:t>
             </a:fld>
             <a:endParaRPr lang="fr-FR"/>
           </a:p>
@@ -1009,7 +1009,7 @@
           <a:p>
             <a:fld id="{EE221601-B579-4BB1-BE8A-6F39324E19B6}" type="datetimeFigureOut">
               <a:rPr lang="fr-FR" smtClean="0"/>
-              <a:t>26/08/2016</a:t>
+              <a:t>24/09/2016</a:t>
             </a:fld>
             <a:endParaRPr lang="fr-FR"/>
           </a:p>
@@ -1241,7 +1241,7 @@
           <a:p>
             <a:fld id="{EE221601-B579-4BB1-BE8A-6F39324E19B6}" type="datetimeFigureOut">
               <a:rPr lang="fr-FR" smtClean="0"/>
-              <a:t>26/08/2016</a:t>
+              <a:t>24/09/2016</a:t>
             </a:fld>
             <a:endParaRPr lang="fr-FR"/>
           </a:p>
@@ -1608,7 +1608,7 @@
           <a:p>
             <a:fld id="{EE221601-B579-4BB1-BE8A-6F39324E19B6}" type="datetimeFigureOut">
               <a:rPr lang="fr-FR" smtClean="0"/>
-              <a:t>26/08/2016</a:t>
+              <a:t>24/09/2016</a:t>
             </a:fld>
             <a:endParaRPr lang="fr-FR"/>
           </a:p>
@@ -1726,7 +1726,7 @@
           <a:p>
             <a:fld id="{EE221601-B579-4BB1-BE8A-6F39324E19B6}" type="datetimeFigureOut">
               <a:rPr lang="fr-FR" smtClean="0"/>
-              <a:t>26/08/2016</a:t>
+              <a:t>24/09/2016</a:t>
             </a:fld>
             <a:endParaRPr lang="fr-FR"/>
           </a:p>
@@ -1821,7 +1821,7 @@
           <a:p>
             <a:fld id="{EE221601-B579-4BB1-BE8A-6F39324E19B6}" type="datetimeFigureOut">
               <a:rPr lang="fr-FR" smtClean="0"/>
-              <a:t>26/08/2016</a:t>
+              <a:t>24/09/2016</a:t>
             </a:fld>
             <a:endParaRPr lang="fr-FR"/>
           </a:p>
@@ -2098,7 +2098,7 @@
           <a:p>
             <a:fld id="{EE221601-B579-4BB1-BE8A-6F39324E19B6}" type="datetimeFigureOut">
               <a:rPr lang="fr-FR" smtClean="0"/>
-              <a:t>26/08/2016</a:t>
+              <a:t>24/09/2016</a:t>
             </a:fld>
             <a:endParaRPr lang="fr-FR"/>
           </a:p>
@@ -2351,7 +2351,7 @@
           <a:p>
             <a:fld id="{EE221601-B579-4BB1-BE8A-6F39324E19B6}" type="datetimeFigureOut">
               <a:rPr lang="fr-FR" smtClean="0"/>
-              <a:t>26/08/2016</a:t>
+              <a:t>24/09/2016</a:t>
             </a:fld>
             <a:endParaRPr lang="fr-FR"/>
           </a:p>
@@ -2564,7 +2564,7 @@
           <a:p>
             <a:fld id="{EE221601-B579-4BB1-BE8A-6F39324E19B6}" type="datetimeFigureOut">
               <a:rPr lang="fr-FR" smtClean="0"/>
-              <a:t>26/08/2016</a:t>
+              <a:t>24/09/2016</a:t>
             </a:fld>
             <a:endParaRPr lang="fr-FR"/>
           </a:p>
@@ -2971,239 +2971,95 @@
       </p:grpSpPr>
       <p:grpSp>
         <p:nvGrpSpPr>
-          <p:cNvPr id="4" name="Groupe 3"/>
+          <p:cNvPr id="24" name="Groupe 23"/>
           <p:cNvGrpSpPr/>
           <p:nvPr/>
         </p:nvGrpSpPr>
         <p:grpSpPr>
           <a:xfrm>
-            <a:off x="530807" y="3283887"/>
-            <a:ext cx="10552681" cy="2434295"/>
-            <a:chOff x="470555" y="3379598"/>
-            <a:chExt cx="10552681" cy="2434295"/>
+            <a:off x="546709" y="291960"/>
+            <a:ext cx="9384693" cy="1770110"/>
+            <a:chOff x="150830" y="1020695"/>
+            <a:chExt cx="9384693" cy="1770110"/>
           </a:xfrm>
         </p:grpSpPr>
         <p:grpSp>
           <p:nvGrpSpPr>
-            <p:cNvPr id="5" name="Groupe 4"/>
+            <p:cNvPr id="25" name="Groupe 24"/>
             <p:cNvGrpSpPr/>
             <p:nvPr/>
           </p:nvGrpSpPr>
           <p:grpSpPr>
             <a:xfrm>
-              <a:off x="470555" y="4865472"/>
-              <a:ext cx="10552681" cy="948421"/>
-              <a:chOff x="197177" y="4007632"/>
-              <a:chExt cx="10552681" cy="948421"/>
+              <a:off x="2429746" y="1842384"/>
+              <a:ext cx="6712876" cy="948421"/>
+              <a:chOff x="2263171" y="1137240"/>
+              <a:chExt cx="6712876" cy="948421"/>
             </a:xfrm>
           </p:grpSpPr>
-          <p:grpSp>
-            <p:nvGrpSpPr>
-              <p:cNvPr id="16" name="Groupe 15"/>
-              <p:cNvGrpSpPr/>
-              <p:nvPr/>
-            </p:nvGrpSpPr>
-            <p:grpSpPr>
-              <a:xfrm>
-                <a:off x="197177" y="4007632"/>
-                <a:ext cx="10552681" cy="948421"/>
-                <a:chOff x="1402236" y="1291141"/>
-                <a:chExt cx="10552681" cy="948421"/>
-              </a:xfrm>
-            </p:grpSpPr>
-            <p:sp>
-              <p:nvSpPr>
-                <p:cNvPr id="19" name="Organigramme : Document 18"/>
-                <p:cNvSpPr/>
-                <p:nvPr/>
-              </p:nvSpPr>
-              <p:spPr>
-                <a:xfrm>
-                  <a:off x="1402236" y="1551076"/>
-                  <a:ext cx="1359673" cy="612251"/>
-                </a:xfrm>
-                <a:prstGeom prst="flowChartDocument">
-                  <a:avLst/>
-                </a:prstGeom>
-                <a:noFill/>
-              </p:spPr>
-              <p:style>
-                <a:lnRef idx="2">
-                  <a:schemeClr val="accent1">
-                    <a:shade val="50000"/>
-                  </a:schemeClr>
-                </a:lnRef>
-                <a:fillRef idx="1">
-                  <a:schemeClr val="accent1"/>
-                </a:fillRef>
-                <a:effectRef idx="0">
-                  <a:schemeClr val="accent1"/>
-                </a:effectRef>
-                <a:fontRef idx="minor">
-                  <a:schemeClr val="lt1"/>
-                </a:fontRef>
-              </p:style>
-              <p:txBody>
-                <a:bodyPr rtlCol="0" anchor="ctr"/>
-                <a:lstStyle/>
-                <a:p>
-                  <a:pPr algn="ctr"/>
-                  <a:r>
-                    <a:rPr lang="en-US" smtClean="0">
-                      <a:solidFill>
-                        <a:schemeClr val="tx1"/>
-                      </a:solidFill>
-                    </a:rPr>
-                    <a:t>UML Model</a:t>
-                  </a:r>
-                  <a:endParaRPr lang="fr-FR">
-                    <a:solidFill>
-                      <a:schemeClr val="tx1"/>
-                    </a:solidFill>
-                  </a:endParaRPr>
-                </a:p>
-              </p:txBody>
-            </p:sp>
-            <p:sp>
-              <p:nvSpPr>
-                <p:cNvPr id="20" name="Organigramme : Disque magnétique 19"/>
-                <p:cNvSpPr/>
-                <p:nvPr/>
-              </p:nvSpPr>
-              <p:spPr>
-                <a:xfrm>
-                  <a:off x="4539995" y="1617066"/>
-                  <a:ext cx="1688970" cy="485113"/>
-                </a:xfrm>
-                <a:prstGeom prst="flowChartMagneticDisk">
-                  <a:avLst/>
-                </a:prstGeom>
-                <a:noFill/>
-              </p:spPr>
-              <p:style>
-                <a:lnRef idx="2">
-                  <a:schemeClr val="accent1">
-                    <a:shade val="50000"/>
-                  </a:schemeClr>
-                </a:lnRef>
-                <a:fillRef idx="1">
-                  <a:schemeClr val="accent1"/>
-                </a:fillRef>
-                <a:effectRef idx="0">
-                  <a:schemeClr val="accent1"/>
-                </a:effectRef>
-                <a:fontRef idx="minor">
-                  <a:schemeClr val="lt1"/>
-                </a:fontRef>
-              </p:style>
-              <p:txBody>
-                <a:bodyPr rtlCol="0" anchor="ctr"/>
-                <a:lstStyle/>
-                <a:p>
-                  <a:pPr algn="ctr"/>
-                  <a:r>
-                    <a:rPr lang="en-US" smtClean="0">
-                      <a:solidFill>
-                        <a:schemeClr val="tx1"/>
-                      </a:solidFill>
-                    </a:rPr>
-                    <a:t>Front-end Code</a:t>
-                  </a:r>
-                  <a:endParaRPr lang="fr-FR">
-                    <a:solidFill>
-                      <a:schemeClr val="tx1"/>
-                    </a:solidFill>
-                  </a:endParaRPr>
-                </a:p>
-              </p:txBody>
-            </p:sp>
-            <p:pic>
-              <p:nvPicPr>
-                <p:cNvPr id="21" name="Picture 4" descr="See original image"/>
-                <p:cNvPicPr>
-                  <a:picLocks noChangeAspect="1" noChangeArrowheads="1"/>
-                </p:cNvPicPr>
-                <p:nvPr/>
-              </p:nvPicPr>
-              <p:blipFill>
-                <a:blip r:embed="rId2" cstate="print">
-                  <a:extLst>
-                    <a:ext uri="{28A0092B-C50C-407E-A947-70E740481C1C}">
-                      <a14:useLocalDpi xmlns:a14="http://schemas.microsoft.com/office/drawing/2010/main" val="0"/>
-                    </a:ext>
-                  </a:extLst>
-                </a:blip>
-                <a:srcRect/>
-                <a:stretch>
-                  <a:fillRect/>
-                </a:stretch>
-              </p:blipFill>
-              <p:spPr bwMode="auto">
-                <a:xfrm>
-                  <a:off x="11441189" y="1291141"/>
-                  <a:ext cx="513728" cy="948421"/>
-                </a:xfrm>
-                <a:prstGeom prst="rect">
-                  <a:avLst/>
-                </a:prstGeom>
-                <a:noFill/>
-                <a:extLst>
-                  <a:ext uri="{909E8E84-426E-40DD-AFC4-6F175D3DCCD1}">
-                    <a14:hiddenFill xmlns:a14="http://schemas.microsoft.com/office/drawing/2010/main">
-                      <a:solidFill>
-                        <a:srgbClr val="FFFFFF"/>
-                      </a:solidFill>
-                    </a14:hiddenFill>
-                  </a:ext>
-                </a:extLst>
-              </p:spPr>
-            </p:pic>
-            <p:cxnSp>
-              <p:nvCxnSpPr>
-                <p:cNvPr id="23" name="Connecteur droit avec flèche 22"/>
-                <p:cNvCxnSpPr>
-                  <a:stCxn id="17" idx="4"/>
-                </p:cNvCxnSpPr>
-                <p:nvPr/>
-              </p:nvCxnSpPr>
-              <p:spPr>
-                <a:xfrm flipV="1">
-                  <a:off x="9800928" y="1857202"/>
-                  <a:ext cx="1640261" cy="2421"/>
-                </a:xfrm>
-                <a:prstGeom prst="straightConnector1">
-                  <a:avLst/>
-                </a:prstGeom>
-                <a:ln>
-                  <a:tailEnd type="triangle"/>
-                </a:ln>
-              </p:spPr>
-              <p:style>
-                <a:lnRef idx="1">
-                  <a:schemeClr val="accent1"/>
-                </a:lnRef>
-                <a:fillRef idx="0">
-                  <a:schemeClr val="accent1"/>
-                </a:fillRef>
-                <a:effectRef idx="0">
-                  <a:schemeClr val="accent1"/>
-                </a:effectRef>
-                <a:fontRef idx="minor">
-                  <a:schemeClr val="tx1"/>
-                </a:fontRef>
-              </p:style>
-            </p:cxnSp>
-          </p:grpSp>
           <p:sp>
             <p:nvSpPr>
-              <p:cNvPr id="17" name="Organigramme : Disque magnétique 16"/>
+              <p:cNvPr id="35" name="Organigramme : Document 34"/>
               <p:cNvSpPr/>
               <p:nvPr/>
             </p:nvSpPr>
             <p:spPr>
               <a:xfrm>
-                <a:off x="6906899" y="4333557"/>
-                <a:ext cx="1688970" cy="485113"/>
+                <a:off x="2263171" y="1397176"/>
+                <a:ext cx="1359673" cy="612251"/>
+              </a:xfrm>
+              <a:prstGeom prst="flowChartDocument">
+                <a:avLst/>
+              </a:prstGeom>
+              <a:noFill/>
+            </p:spPr>
+            <p:style>
+              <a:lnRef idx="2">
+                <a:schemeClr val="accent1">
+                  <a:shade val="50000"/>
+                </a:schemeClr>
+              </a:lnRef>
+              <a:fillRef idx="1">
+                <a:schemeClr val="accent1"/>
+              </a:fillRef>
+              <a:effectRef idx="0">
+                <a:schemeClr val="accent1"/>
+              </a:effectRef>
+              <a:fontRef idx="minor">
+                <a:schemeClr val="lt1"/>
+              </a:fontRef>
+            </p:style>
+            <p:txBody>
+              <a:bodyPr rtlCol="0" anchor="ctr"/>
+              <a:lstStyle/>
+              <a:p>
+                <a:pPr algn="ctr"/>
+                <a:r>
+                  <a:rPr lang="en-US" smtClean="0">
+                    <a:solidFill>
+                      <a:schemeClr val="tx1"/>
+                    </a:solidFill>
+                  </a:rPr>
+                  <a:t>UML Model</a:t>
+                </a:r>
+                <a:endParaRPr lang="fr-FR">
+                  <a:solidFill>
+                    <a:schemeClr val="tx1"/>
+                  </a:solidFill>
+                </a:endParaRPr>
+              </a:p>
+            </p:txBody>
+          </p:sp>
+          <p:sp>
+            <p:nvSpPr>
+              <p:cNvPr id="36" name="Organigramme : Disque magnétique 35"/>
+              <p:cNvSpPr/>
+              <p:nvPr/>
+            </p:nvSpPr>
+            <p:spPr>
+              <a:xfrm>
+                <a:off x="5618375" y="1463165"/>
+                <a:ext cx="848413" cy="485113"/>
               </a:xfrm>
               <a:prstGeom prst="flowChartMagneticDisk">
                 <a:avLst/>
@@ -3237,641 +3093,9 @@
                       <a:schemeClr val="tx1"/>
                     </a:solidFill>
                   </a:rPr>
-                  <a:t>Back-end Code</a:t>
+                  <a:t>Code</a:t>
                 </a:r>
                 <a:endParaRPr lang="fr-FR">
-                  <a:solidFill>
-                    <a:schemeClr val="tx1"/>
-                  </a:solidFill>
-                </a:endParaRPr>
-              </a:p>
-            </p:txBody>
-          </p:sp>
-          <p:cxnSp>
-            <p:nvCxnSpPr>
-              <p:cNvPr id="18" name="Connecteur droit avec flèche 17"/>
-              <p:cNvCxnSpPr>
-                <a:stCxn id="20" idx="4"/>
-                <a:endCxn id="17" idx="2"/>
-              </p:cNvCxnSpPr>
-              <p:nvPr/>
-            </p:nvCxnSpPr>
-            <p:spPr>
-              <a:xfrm>
-                <a:off x="5023906" y="4576114"/>
-                <a:ext cx="1882993" cy="0"/>
-              </a:xfrm>
-              <a:prstGeom prst="straightConnector1">
-                <a:avLst/>
-              </a:prstGeom>
-              <a:ln>
-                <a:tailEnd type="triangle"/>
-              </a:ln>
-            </p:spPr>
-            <p:style>
-              <a:lnRef idx="1">
-                <a:schemeClr val="accent1"/>
-              </a:lnRef>
-              <a:fillRef idx="0">
-                <a:schemeClr val="accent1"/>
-              </a:fillRef>
-              <a:effectRef idx="0">
-                <a:schemeClr val="accent1"/>
-              </a:effectRef>
-              <a:fontRef idx="minor">
-                <a:schemeClr val="tx1"/>
-              </a:fontRef>
-            </p:style>
-          </p:cxnSp>
-        </p:grpSp>
-        <p:sp>
-          <p:nvSpPr>
-            <p:cNvPr id="6" name="ZoneTexte 5"/>
-            <p:cNvSpPr txBox="1"/>
-            <p:nvPr/>
-          </p:nvSpPr>
-          <p:spPr>
-            <a:xfrm>
-              <a:off x="9039199" y="5125407"/>
-              <a:ext cx="1300356" cy="646331"/>
-            </a:xfrm>
-            <a:prstGeom prst="rect">
-              <a:avLst/>
-            </a:prstGeom>
-            <a:noFill/>
-          </p:spPr>
-          <p:txBody>
-            <a:bodyPr wrap="none" rtlCol="0">
-              <a:spAutoFit/>
-            </a:bodyPr>
-            <a:lstStyle/>
-            <a:p>
-              <a:r>
-                <a:rPr lang="vi-VN" smtClean="0"/>
-                <a:t>Code </a:t>
-              </a:r>
-            </a:p>
-            <a:p>
-              <a:r>
-                <a:rPr lang="vi-VN" smtClean="0"/>
-                <a:t>compilaton</a:t>
-              </a:r>
-              <a:endParaRPr lang="fr-FR"/>
-            </a:p>
-          </p:txBody>
-        </p:sp>
-        <p:sp>
-          <p:nvSpPr>
-            <p:cNvPr id="7" name="ZoneTexte 6"/>
-            <p:cNvSpPr txBox="1"/>
-            <p:nvPr/>
-          </p:nvSpPr>
-          <p:spPr>
-            <a:xfrm>
-              <a:off x="1883860" y="5232724"/>
-              <a:ext cx="1675780" cy="369332"/>
-            </a:xfrm>
-            <a:prstGeom prst="rect">
-              <a:avLst/>
-            </a:prstGeom>
-            <a:noFill/>
-          </p:spPr>
-          <p:txBody>
-            <a:bodyPr wrap="none" rtlCol="0">
-              <a:spAutoFit/>
-            </a:bodyPr>
-            <a:lstStyle/>
-            <a:p>
-              <a:r>
-                <a:rPr lang="en-US" smtClean="0"/>
-                <a:t>Synchronization</a:t>
-              </a:r>
-              <a:endParaRPr lang="fr-FR"/>
-            </a:p>
-          </p:txBody>
-        </p:sp>
-        <p:sp>
-          <p:nvSpPr>
-            <p:cNvPr id="8" name="ZoneTexte 7"/>
-            <p:cNvSpPr txBox="1"/>
-            <p:nvPr/>
-          </p:nvSpPr>
-          <p:spPr>
-            <a:xfrm>
-              <a:off x="5706101" y="5091327"/>
-              <a:ext cx="1274708" cy="646331"/>
-            </a:xfrm>
-            <a:prstGeom prst="rect">
-              <a:avLst/>
-            </a:prstGeom>
-            <a:noFill/>
-          </p:spPr>
-          <p:txBody>
-            <a:bodyPr wrap="none" rtlCol="0">
-              <a:spAutoFit/>
-            </a:bodyPr>
-            <a:lstStyle/>
-            <a:p>
-              <a:r>
-                <a:rPr lang="vi-VN" smtClean="0"/>
-                <a:t>Back-end </a:t>
-              </a:r>
-            </a:p>
-            <a:p>
-              <a:r>
-                <a:rPr lang="vi-VN" smtClean="0"/>
-                <a:t>generation</a:t>
-              </a:r>
-              <a:endParaRPr lang="fr-FR"/>
-            </a:p>
-          </p:txBody>
-        </p:sp>
-        <p:grpSp>
-          <p:nvGrpSpPr>
-            <p:cNvPr id="9" name="Groupe 8"/>
-            <p:cNvGrpSpPr/>
-            <p:nvPr/>
-          </p:nvGrpSpPr>
-          <p:grpSpPr>
-            <a:xfrm>
-              <a:off x="800540" y="3379598"/>
-              <a:ext cx="7141484" cy="1811799"/>
-              <a:chOff x="951370" y="568341"/>
-              <a:chExt cx="7141484" cy="1811799"/>
-            </a:xfrm>
-          </p:grpSpPr>
-          <p:pic>
-            <p:nvPicPr>
-              <p:cNvPr id="10" name="Picture 2" descr="C:\Documents\Slides\architect.jpg"/>
-              <p:cNvPicPr>
-                <a:picLocks noChangeAspect="1" noChangeArrowheads="1"/>
-              </p:cNvPicPr>
-              <p:nvPr/>
-            </p:nvPicPr>
-            <p:blipFill>
-              <a:blip r:embed="rId3" cstate="print">
-                <a:extLst>
-                  <a:ext uri="{28A0092B-C50C-407E-A947-70E740481C1C}">
-                    <a14:useLocalDpi xmlns:a14="http://schemas.microsoft.com/office/drawing/2010/main" val="0"/>
-                  </a:ext>
-                </a:extLst>
-              </a:blip>
-              <a:srcRect/>
-              <a:stretch>
-                <a:fillRect/>
-              </a:stretch>
-            </p:blipFill>
-            <p:spPr bwMode="auto">
-              <a:xfrm>
-                <a:off x="951370" y="1124731"/>
-                <a:ext cx="705115" cy="621298"/>
-              </a:xfrm>
-              <a:prstGeom prst="rect">
-                <a:avLst/>
-              </a:prstGeom>
-              <a:noFill/>
-              <a:ln>
-                <a:solidFill>
-                  <a:schemeClr val="tx1"/>
-                </a:solidFill>
-              </a:ln>
-              <a:extLst>
-                <a:ext uri="{909E8E84-426E-40DD-AFC4-6F175D3DCCD1}">
-                  <a14:hiddenFill xmlns:a14="http://schemas.microsoft.com/office/drawing/2010/main">
-                    <a:solidFill>
-                      <a:srgbClr val="FFFFFF"/>
-                    </a:solidFill>
-                  </a14:hiddenFill>
-                </a:ext>
-              </a:extLst>
-            </p:spPr>
-          </p:pic>
-          <p:pic>
-            <p:nvPicPr>
-              <p:cNvPr id="11" name="Picture 3" descr="C:\Documents\Slides\coder.jpg"/>
-              <p:cNvPicPr>
-                <a:picLocks noChangeAspect="1" noChangeArrowheads="1"/>
-              </p:cNvPicPr>
-              <p:nvPr/>
-            </p:nvPicPr>
-            <p:blipFill>
-              <a:blip r:embed="rId4" cstate="print">
-                <a:extLst>
-                  <a:ext uri="{28A0092B-C50C-407E-A947-70E740481C1C}">
-                    <a14:useLocalDpi xmlns:a14="http://schemas.microsoft.com/office/drawing/2010/main" val="0"/>
-                  </a:ext>
-                </a:extLst>
-              </a:blip>
-              <a:srcRect/>
-              <a:stretch>
-                <a:fillRect/>
-              </a:stretch>
-            </p:blipFill>
-            <p:spPr bwMode="auto">
-              <a:xfrm>
-                <a:off x="4246542" y="1164169"/>
-                <a:ext cx="705288" cy="581860"/>
-              </a:xfrm>
-              <a:prstGeom prst="rect">
-                <a:avLst/>
-              </a:prstGeom>
-              <a:noFill/>
-              <a:ln>
-                <a:solidFill>
-                  <a:schemeClr val="accent1">
-                    <a:shade val="95000"/>
-                    <a:satMod val="105000"/>
-                  </a:schemeClr>
-                </a:solidFill>
-              </a:ln>
-              <a:extLst>
-                <a:ext uri="{909E8E84-426E-40DD-AFC4-6F175D3DCCD1}">
-                  <a14:hiddenFill xmlns:a14="http://schemas.microsoft.com/office/drawing/2010/main">
-                    <a:solidFill>
-                      <a:srgbClr val="FFFFFF"/>
-                    </a:solidFill>
-                  </a14:hiddenFill>
-                </a:ext>
-              </a:extLst>
-            </p:spPr>
-          </p:pic>
-          <p:cxnSp>
-            <p:nvCxnSpPr>
-              <p:cNvPr id="12" name="Connecteur droit avec flèche 11"/>
-              <p:cNvCxnSpPr>
-                <a:stCxn id="10" idx="2"/>
-              </p:cNvCxnSpPr>
-              <p:nvPr/>
-            </p:nvCxnSpPr>
-            <p:spPr>
-              <a:xfrm flipH="1">
-                <a:off x="1298221" y="1746029"/>
-                <a:ext cx="5707" cy="578250"/>
-              </a:xfrm>
-              <a:prstGeom prst="straightConnector1">
-                <a:avLst/>
-              </a:prstGeom>
-              <a:ln>
-                <a:tailEnd type="triangle"/>
-              </a:ln>
-            </p:spPr>
-            <p:style>
-              <a:lnRef idx="1">
-                <a:schemeClr val="accent1"/>
-              </a:lnRef>
-              <a:fillRef idx="0">
-                <a:schemeClr val="accent1"/>
-              </a:fillRef>
-              <a:effectRef idx="0">
-                <a:schemeClr val="accent1"/>
-              </a:effectRef>
-              <a:fontRef idx="minor">
-                <a:schemeClr val="tx1"/>
-              </a:fontRef>
-            </p:style>
-          </p:cxnSp>
-          <p:cxnSp>
-            <p:nvCxnSpPr>
-              <p:cNvPr id="13" name="Connecteur droit avec flèche 12"/>
-              <p:cNvCxnSpPr>
-                <a:stCxn id="11" idx="2"/>
-                <a:endCxn id="20" idx="1"/>
-              </p:cNvCxnSpPr>
-              <p:nvPr/>
-            </p:nvCxnSpPr>
-            <p:spPr>
-              <a:xfrm>
-                <a:off x="4599186" y="1746029"/>
-                <a:ext cx="4443" cy="634111"/>
-              </a:xfrm>
-              <a:prstGeom prst="straightConnector1">
-                <a:avLst/>
-              </a:prstGeom>
-              <a:ln>
-                <a:tailEnd type="triangle"/>
-              </a:ln>
-            </p:spPr>
-            <p:style>
-              <a:lnRef idx="1">
-                <a:schemeClr val="accent1"/>
-              </a:lnRef>
-              <a:fillRef idx="0">
-                <a:schemeClr val="accent1"/>
-              </a:fillRef>
-              <a:effectRef idx="0">
-                <a:schemeClr val="accent1"/>
-              </a:effectRef>
-              <a:fontRef idx="minor">
-                <a:schemeClr val="tx1"/>
-              </a:fontRef>
-            </p:style>
-          </p:cxnSp>
-          <p:sp>
-            <p:nvSpPr>
-              <p:cNvPr id="14" name="Légende encadrée 1 13"/>
-              <p:cNvSpPr/>
-              <p:nvPr/>
-            </p:nvSpPr>
-            <p:spPr>
-              <a:xfrm>
-                <a:off x="1758423" y="568342"/>
-                <a:ext cx="2278916" cy="658616"/>
-              </a:xfrm>
-              <a:prstGeom prst="borderCallout1">
-                <a:avLst>
-                  <a:gd name="adj1" fmla="val 101128"/>
-                  <a:gd name="adj2" fmla="val 44314"/>
-                  <a:gd name="adj3" fmla="val 130728"/>
-                  <a:gd name="adj4" fmla="val -4305"/>
-                </a:avLst>
-              </a:prstGeom>
-              <a:noFill/>
-            </p:spPr>
-            <p:style>
-              <a:lnRef idx="2">
-                <a:schemeClr val="accent1">
-                  <a:shade val="50000"/>
-                </a:schemeClr>
-              </a:lnRef>
-              <a:fillRef idx="1">
-                <a:schemeClr val="accent1"/>
-              </a:fillRef>
-              <a:effectRef idx="0">
-                <a:schemeClr val="accent1"/>
-              </a:effectRef>
-              <a:fontRef idx="minor">
-                <a:schemeClr val="lt1"/>
-              </a:fontRef>
-            </p:style>
-            <p:txBody>
-              <a:bodyPr rtlCol="0" anchor="ctr"/>
-              <a:lstStyle/>
-              <a:p>
-                <a:r>
-                  <a:rPr lang="en-US" sz="1600" smtClean="0">
-                    <a:solidFill>
-                      <a:schemeClr val="tx1"/>
-                    </a:solidFill>
-                  </a:rPr>
-                  <a:t>-</a:t>
-                </a:r>
-                <a:r>
-                  <a:rPr lang="vi-VN" sz="1600">
-                    <a:solidFill>
-                      <a:schemeClr val="tx1"/>
-                    </a:solidFill>
-                  </a:rPr>
-                  <a:t>S</a:t>
-                </a:r>
-                <a:r>
-                  <a:rPr lang="vi-VN" sz="1600" smtClean="0">
-                    <a:solidFill>
-                      <a:schemeClr val="tx1"/>
-                    </a:solidFill>
-                  </a:rPr>
-                  <a:t>tructure changes</a:t>
-                </a:r>
-              </a:p>
-              <a:p>
-                <a:r>
-                  <a:rPr lang="vi-VN" sz="1600" smtClean="0">
-                    <a:solidFill>
-                      <a:schemeClr val="tx1"/>
-                    </a:solidFill>
-                  </a:rPr>
-                  <a:t>-Behavior changes</a:t>
-                </a:r>
-                <a:endParaRPr lang="fr-FR" sz="1600">
-                  <a:solidFill>
-                    <a:schemeClr val="tx1"/>
-                  </a:solidFill>
-                </a:endParaRPr>
-              </a:p>
-            </p:txBody>
-          </p:sp>
-          <p:sp>
-            <p:nvSpPr>
-              <p:cNvPr id="15" name="Légende encadrée 1 14"/>
-              <p:cNvSpPr/>
-              <p:nvPr/>
-            </p:nvSpPr>
-            <p:spPr>
-              <a:xfrm>
-                <a:off x="5813938" y="568341"/>
-                <a:ext cx="2278916" cy="795131"/>
-              </a:xfrm>
-              <a:prstGeom prst="borderCallout1">
-                <a:avLst>
-                  <a:gd name="adj1" fmla="val 48170"/>
-                  <a:gd name="adj2" fmla="val -360"/>
-                  <a:gd name="adj3" fmla="val 127107"/>
-                  <a:gd name="adj4" fmla="val -36720"/>
-                </a:avLst>
-              </a:prstGeom>
-              <a:noFill/>
-            </p:spPr>
-            <p:style>
-              <a:lnRef idx="2">
-                <a:schemeClr val="accent1">
-                  <a:shade val="50000"/>
-                </a:schemeClr>
-              </a:lnRef>
-              <a:fillRef idx="1">
-                <a:schemeClr val="accent1"/>
-              </a:fillRef>
-              <a:effectRef idx="0">
-                <a:schemeClr val="accent1"/>
-              </a:effectRef>
-              <a:fontRef idx="minor">
-                <a:schemeClr val="lt1"/>
-              </a:fontRef>
-            </p:style>
-            <p:txBody>
-              <a:bodyPr rtlCol="0" anchor="ctr"/>
-              <a:lstStyle/>
-              <a:p>
-                <a:r>
-                  <a:rPr lang="en-US" sz="1600" smtClean="0">
-                    <a:solidFill>
-                      <a:schemeClr val="tx1"/>
-                    </a:solidFill>
-                  </a:rPr>
-                  <a:t>-</a:t>
-                </a:r>
-                <a:r>
-                  <a:rPr lang="vi-VN" sz="1600" smtClean="0">
-                    <a:solidFill>
-                      <a:schemeClr val="tx1"/>
-                    </a:solidFill>
-                  </a:rPr>
-                  <a:t>User code changes</a:t>
-                </a:r>
-              </a:p>
-              <a:p>
-                <a:r>
-                  <a:rPr lang="vi-VN" sz="1600" smtClean="0">
-                    <a:solidFill>
-                      <a:schemeClr val="tx1"/>
-                    </a:solidFill>
-                  </a:rPr>
-                  <a:t>-Behavior changes</a:t>
-                </a:r>
-                <a:endParaRPr lang="en-US" sz="1600" smtClean="0">
-                  <a:solidFill>
-                    <a:schemeClr val="tx1"/>
-                  </a:solidFill>
-                </a:endParaRPr>
-              </a:p>
-              <a:p>
-                <a:r>
-                  <a:rPr lang="en-US" sz="1600" smtClean="0">
-                    <a:solidFill>
-                      <a:schemeClr val="tx1"/>
-                    </a:solidFill>
-                    <a:latin typeface="Arial" panose="020B0604020202020204" pitchFamily="34" charset="0"/>
-                    <a:cs typeface="Arial" panose="020B0604020202020204" pitchFamily="34" charset="0"/>
-                  </a:rPr>
-                  <a:t>-Structure changes</a:t>
-                </a:r>
-                <a:endParaRPr lang="fr-FR" sz="1600">
-                  <a:solidFill>
-                    <a:schemeClr val="tx1"/>
-                  </a:solidFill>
-                  <a:latin typeface="Arial" panose="020B0604020202020204" pitchFamily="34" charset="0"/>
-                  <a:cs typeface="Arial" panose="020B0604020202020204" pitchFamily="34" charset="0"/>
-                </a:endParaRPr>
-              </a:p>
-            </p:txBody>
-          </p:sp>
-        </p:grpSp>
-      </p:grpSp>
-      <p:grpSp>
-        <p:nvGrpSpPr>
-          <p:cNvPr id="24" name="Groupe 23"/>
-          <p:cNvGrpSpPr/>
-          <p:nvPr/>
-        </p:nvGrpSpPr>
-        <p:grpSpPr>
-          <a:xfrm>
-            <a:off x="546709" y="391543"/>
-            <a:ext cx="9384693" cy="1924011"/>
-            <a:chOff x="150830" y="1020695"/>
-            <a:chExt cx="9384693" cy="1924011"/>
-          </a:xfrm>
-        </p:grpSpPr>
-        <p:grpSp>
-          <p:nvGrpSpPr>
-            <p:cNvPr id="25" name="Groupe 24"/>
-            <p:cNvGrpSpPr/>
-            <p:nvPr/>
-          </p:nvGrpSpPr>
-          <p:grpSpPr>
-            <a:xfrm>
-              <a:off x="2429746" y="1996285"/>
-              <a:ext cx="6712876" cy="948421"/>
-              <a:chOff x="2263171" y="1291141"/>
-              <a:chExt cx="6712876" cy="948421"/>
-            </a:xfrm>
-          </p:grpSpPr>
-          <p:sp>
-            <p:nvSpPr>
-              <p:cNvPr id="35" name="Organigramme : Document 34"/>
-              <p:cNvSpPr/>
-              <p:nvPr/>
-            </p:nvSpPr>
-            <p:spPr>
-              <a:xfrm>
-                <a:off x="2263171" y="1551077"/>
-                <a:ext cx="1359673" cy="612251"/>
-              </a:xfrm>
-              <a:prstGeom prst="flowChartDocument">
-                <a:avLst/>
-              </a:prstGeom>
-              <a:noFill/>
-            </p:spPr>
-            <p:style>
-              <a:lnRef idx="2">
-                <a:schemeClr val="accent1">
-                  <a:shade val="50000"/>
-                </a:schemeClr>
-              </a:lnRef>
-              <a:fillRef idx="1">
-                <a:schemeClr val="accent1"/>
-              </a:fillRef>
-              <a:effectRef idx="0">
-                <a:schemeClr val="accent1"/>
-              </a:effectRef>
-              <a:fontRef idx="minor">
-                <a:schemeClr val="lt1"/>
-              </a:fontRef>
-            </p:style>
-            <p:txBody>
-              <a:bodyPr rtlCol="0" anchor="ctr"/>
-              <a:lstStyle/>
-              <a:p>
-                <a:pPr algn="ctr"/>
-                <a:r>
-                  <a:rPr lang="en-US" sz="1600" smtClean="0">
-                    <a:solidFill>
-                      <a:schemeClr val="tx1"/>
-                    </a:solidFill>
-                  </a:rPr>
-                  <a:t>UML Model</a:t>
-                </a:r>
-                <a:endParaRPr lang="fr-FR" sz="1600">
-                  <a:solidFill>
-                    <a:schemeClr val="tx1"/>
-                  </a:solidFill>
-                </a:endParaRPr>
-              </a:p>
-            </p:txBody>
-          </p:sp>
-          <p:sp>
-            <p:nvSpPr>
-              <p:cNvPr id="36" name="Organigramme : Disque magnétique 35"/>
-              <p:cNvSpPr/>
-              <p:nvPr/>
-            </p:nvSpPr>
-            <p:spPr>
-              <a:xfrm>
-                <a:off x="5618375" y="1617066"/>
-                <a:ext cx="848413" cy="485113"/>
-              </a:xfrm>
-              <a:prstGeom prst="flowChartMagneticDisk">
-                <a:avLst/>
-              </a:prstGeom>
-              <a:noFill/>
-            </p:spPr>
-            <p:style>
-              <a:lnRef idx="2">
-                <a:schemeClr val="accent1">
-                  <a:shade val="50000"/>
-                </a:schemeClr>
-              </a:lnRef>
-              <a:fillRef idx="1">
-                <a:schemeClr val="accent1"/>
-              </a:fillRef>
-              <a:effectRef idx="0">
-                <a:schemeClr val="accent1"/>
-              </a:effectRef>
-              <a:fontRef idx="minor">
-                <a:schemeClr val="lt1"/>
-              </a:fontRef>
-            </p:style>
-            <p:txBody>
-              <a:bodyPr rtlCol="0" anchor="ctr"/>
-              <a:lstStyle/>
-              <a:p>
-                <a:pPr algn="ctr"/>
-                <a:r>
-                  <a:rPr lang="en-US" sz="1600" smtClean="0">
-                    <a:solidFill>
-                      <a:schemeClr val="tx1"/>
-                    </a:solidFill>
-                  </a:rPr>
-                  <a:t>Code</a:t>
-                </a:r>
-                <a:endParaRPr lang="fr-FR" sz="1600">
                   <a:solidFill>
                     <a:schemeClr val="tx1"/>
                   </a:solidFill>
@@ -3902,7 +3126,7 @@
             </p:blipFill>
             <p:spPr bwMode="auto">
               <a:xfrm>
-                <a:off x="8462319" y="1291141"/>
+                <a:off x="8462319" y="1137240"/>
                 <a:ext cx="513728" cy="948421"/>
               </a:xfrm>
               <a:prstGeom prst="rect">
@@ -3931,7 +3155,7 @@
             </p:nvCxnSpPr>
             <p:spPr>
               <a:xfrm>
-                <a:off x="3622844" y="1857203"/>
+                <a:off x="3622844" y="1703302"/>
                 <a:ext cx="1995531" cy="2420"/>
               </a:xfrm>
               <a:prstGeom prst="straightConnector1">
@@ -3964,7 +3188,7 @@
             </p:nvCxnSpPr>
             <p:spPr>
               <a:xfrm>
-                <a:off x="6466788" y="1857202"/>
+                <a:off x="6466788" y="1703301"/>
                 <a:ext cx="1995531" cy="2420"/>
               </a:xfrm>
               <a:prstGeom prst="straightConnector1">
@@ -3999,9 +3223,9 @@
           <p:grpSpPr>
             <a:xfrm>
               <a:off x="150830" y="1020695"/>
-              <a:ext cx="9384693" cy="1301515"/>
+              <a:ext cx="9384693" cy="1147614"/>
               <a:chOff x="150830" y="1020695"/>
-              <a:chExt cx="9384693" cy="1301515"/>
+              <a:chExt cx="9384693" cy="1147614"/>
             </a:xfrm>
           </p:grpSpPr>
           <p:pic>
@@ -4111,7 +3335,7 @@
             <p:spPr>
               <a:xfrm flipH="1">
                 <a:off x="3109583" y="1677971"/>
-                <a:ext cx="5707" cy="578250"/>
+                <a:ext cx="5707" cy="424349"/>
               </a:xfrm>
               <a:prstGeom prst="straightConnector1">
                 <a:avLst/>
@@ -4147,7 +3371,7 @@
             <p:spPr>
               <a:xfrm flipH="1">
                 <a:off x="6209157" y="1677971"/>
-                <a:ext cx="7436" cy="644239"/>
+                <a:ext cx="7436" cy="490338"/>
               </a:xfrm>
               <a:prstGeom prst="straightConnector1">
                 <a:avLst/>
@@ -4213,7 +3437,7 @@
               <a:lstStyle/>
               <a:p>
                 <a:r>
-                  <a:rPr lang="en-US" sz="1600" smtClean="0">
+                  <a:rPr lang="en-US" smtClean="0">
                     <a:solidFill>
                       <a:schemeClr val="tx1"/>
                     </a:solidFill>
@@ -4221,7 +3445,7 @@
                   <a:t>-</a:t>
                 </a:r>
                 <a:r>
-                  <a:rPr lang="vi-VN" sz="1600">
+                  <a:rPr lang="vi-VN">
                     <a:solidFill>
                       <a:schemeClr val="tx1"/>
                     </a:solidFill>
@@ -4229,7 +3453,7 @@
                   <a:t>S</a:t>
                 </a:r>
                 <a:r>
-                  <a:rPr lang="vi-VN" sz="1600" smtClean="0">
+                  <a:rPr lang="vi-VN" smtClean="0">
                     <a:solidFill>
                       <a:schemeClr val="tx1"/>
                     </a:solidFill>
@@ -4239,14 +3463,14 @@
               </a:p>
               <a:p>
                 <a:r>
-                  <a:rPr lang="vi-VN" sz="1600" smtClean="0">
+                  <a:rPr lang="vi-VN" smtClean="0">
                     <a:solidFill>
                       <a:schemeClr val="tx1"/>
                     </a:solidFill>
                   </a:rPr>
                   <a:t>-Behavior changes</a:t>
                 </a:r>
-                <a:endParaRPr lang="fr-FR" sz="1600">
+                <a:endParaRPr lang="fr-FR">
                   <a:solidFill>
                     <a:schemeClr val="tx1"/>
                   </a:solidFill>
@@ -4296,7 +3520,7 @@
               <a:lstStyle/>
               <a:p>
                 <a:r>
-                  <a:rPr lang="en-US" sz="1600" smtClean="0">
+                  <a:rPr lang="en-US" smtClean="0">
                     <a:solidFill>
                       <a:schemeClr val="tx1"/>
                     </a:solidFill>
@@ -4306,7 +3530,7 @@
                   <a:t>-</a:t>
                 </a:r>
                 <a:r>
-                  <a:rPr lang="vi-VN" sz="1600" smtClean="0">
+                  <a:rPr lang="vi-VN" smtClean="0">
                     <a:solidFill>
                       <a:schemeClr val="tx1"/>
                     </a:solidFill>
@@ -4316,7 +3540,7 @@
                   <a:t>User</a:t>
                 </a:r>
                 <a:r>
-                  <a:rPr lang="en-US" sz="1600" smtClean="0">
+                  <a:rPr lang="en-US" smtClean="0">
                     <a:solidFill>
                       <a:schemeClr val="tx1"/>
                     </a:solidFill>
@@ -4326,7 +3550,7 @@
                   <a:t>-</a:t>
                 </a:r>
                 <a:r>
-                  <a:rPr lang="vi-VN" sz="1600" smtClean="0">
+                  <a:rPr lang="vi-VN" smtClean="0">
                     <a:solidFill>
                       <a:schemeClr val="tx1"/>
                     </a:solidFill>
@@ -4335,7 +3559,7 @@
                   </a:rPr>
                   <a:t>code changes</a:t>
                 </a:r>
-                <a:endParaRPr lang="en-US" sz="1600" smtClean="0">
+                <a:endParaRPr lang="en-US" smtClean="0">
                   <a:solidFill>
                     <a:schemeClr val="tx1"/>
                   </a:solidFill>
@@ -4345,7 +3569,7 @@
               </a:p>
               <a:p>
                 <a:r>
-                  <a:rPr lang="en-US" sz="1600" smtClean="0">
+                  <a:rPr lang="en-US" smtClean="0">
                     <a:solidFill>
                       <a:schemeClr val="tx1"/>
                     </a:solidFill>
@@ -4354,7 +3578,7 @@
                   </a:rPr>
                   <a:t>-Structure changes</a:t>
                 </a:r>
-                <a:endParaRPr lang="fr-FR" sz="1600">
+                <a:endParaRPr lang="fr-FR">
                   <a:solidFill>
                     <a:schemeClr val="tx1"/>
                   </a:solidFill>
@@ -4373,8 +3597,8 @@
           </p:nvSpPr>
           <p:spPr>
             <a:xfrm>
-              <a:off x="4240529" y="2241009"/>
-              <a:ext cx="1152880" cy="584775"/>
+              <a:off x="4240529" y="2087108"/>
+              <a:ext cx="1274708" cy="646331"/>
             </a:xfrm>
             <a:prstGeom prst="rect">
               <a:avLst/>
@@ -4388,17 +3612,17 @@
             <a:lstStyle/>
             <a:p>
               <a:r>
-                <a:rPr lang="vi-VN" sz="1600" smtClean="0"/>
+                <a:rPr lang="vi-VN" smtClean="0"/>
                 <a:t>Code </a:t>
               </a:r>
-              <a:endParaRPr lang="en-US" sz="1600" smtClean="0"/>
+              <a:endParaRPr lang="en-US" smtClean="0"/>
             </a:p>
             <a:p>
               <a:r>
-                <a:rPr lang="vi-VN" sz="1600" smtClean="0"/>
+                <a:rPr lang="vi-VN" smtClean="0"/>
                 <a:t>generation</a:t>
               </a:r>
-              <a:endParaRPr lang="fr-FR" sz="1600"/>
+              <a:endParaRPr lang="fr-FR"/>
             </a:p>
           </p:txBody>
         </p:sp>
@@ -4410,8 +3634,8 @@
           </p:nvSpPr>
           <p:spPr>
             <a:xfrm>
-              <a:off x="7018265" y="2237240"/>
-              <a:ext cx="1175322" cy="584775"/>
+              <a:off x="7018265" y="2083339"/>
+              <a:ext cx="1300356" cy="646331"/>
             </a:xfrm>
             <a:prstGeom prst="rect">
               <a:avLst/>
@@ -4425,17 +3649,17 @@
             <a:lstStyle/>
             <a:p>
               <a:r>
-                <a:rPr lang="vi-VN" sz="1600" smtClean="0"/>
+                <a:rPr lang="vi-VN" smtClean="0"/>
                 <a:t>Code </a:t>
               </a:r>
-              <a:endParaRPr lang="en-US" sz="1600" smtClean="0"/>
+              <a:endParaRPr lang="en-US" smtClean="0"/>
             </a:p>
             <a:p>
               <a:r>
-                <a:rPr lang="vi-VN" sz="1600" smtClean="0"/>
+                <a:rPr lang="vi-VN" smtClean="0"/>
                 <a:t>compilaton</a:t>
               </a:r>
-              <a:endParaRPr lang="fr-FR" sz="1600"/>
+              <a:endParaRPr lang="fr-FR"/>
             </a:p>
           </p:txBody>
         </p:sp>
@@ -4448,8 +3672,8 @@
         </p:nvSpPr>
         <p:spPr>
           <a:xfrm>
-            <a:off x="408373" y="195309"/>
-            <a:ext cx="11123720" cy="2281561"/>
+            <a:off x="408373" y="177203"/>
+            <a:ext cx="11123720" cy="1957528"/>
           </a:xfrm>
           <a:prstGeom prst="rect">
             <a:avLst/>
@@ -4483,61 +3707,23 @@
       </p:sp>
       <p:sp>
         <p:nvSpPr>
-          <p:cNvPr id="40" name="Rectangle 39"/>
-          <p:cNvSpPr/>
-          <p:nvPr/>
-        </p:nvSpPr>
-        <p:spPr>
-          <a:xfrm>
-            <a:off x="408373" y="3171093"/>
-            <a:ext cx="11123720" cy="2634903"/>
-          </a:xfrm>
-          <a:prstGeom prst="rect">
-            <a:avLst/>
-          </a:prstGeom>
-          <a:noFill/>
-        </p:spPr>
-        <p:style>
-          <a:lnRef idx="2">
-            <a:schemeClr val="accent1">
-              <a:shade val="50000"/>
-            </a:schemeClr>
-          </a:lnRef>
-          <a:fillRef idx="1">
-            <a:schemeClr val="accent1"/>
-          </a:fillRef>
-          <a:effectRef idx="0">
-            <a:schemeClr val="accent1"/>
-          </a:effectRef>
-          <a:fontRef idx="minor">
-            <a:schemeClr val="lt1"/>
-          </a:fontRef>
-        </p:style>
-        <p:txBody>
-          <a:bodyPr rtlCol="0" anchor="ctr"/>
-          <a:lstStyle/>
-          <a:p>
-            <a:pPr algn="ctr"/>
-            <a:endParaRPr lang="fr-FR"/>
-          </a:p>
-        </p:txBody>
-      </p:sp>
-      <p:sp>
-        <p:nvSpPr>
           <p:cNvPr id="3" name="Rectangle 2"/>
           <p:cNvSpPr/>
           <p:nvPr/>
         </p:nvSpPr>
         <p:spPr>
           <a:xfrm>
-            <a:off x="10058400" y="195309"/>
+            <a:off x="10058400" y="177203"/>
             <a:ext cx="1473693" cy="532660"/>
           </a:xfrm>
           <a:prstGeom prst="rect">
             <a:avLst/>
           </a:prstGeom>
           <a:solidFill>
-            <a:srgbClr val="FFC000"/>
+            <a:schemeClr val="accent1">
+              <a:lumMod val="20000"/>
+              <a:lumOff val="80000"/>
+            </a:schemeClr>
           </a:solidFill>
         </p:spPr>
         <p:style>
@@ -4579,69 +3765,14 @@
       </p:sp>
       <p:sp>
         <p:nvSpPr>
-          <p:cNvPr id="41" name="Rectangle 40"/>
-          <p:cNvSpPr/>
-          <p:nvPr/>
-        </p:nvSpPr>
-        <p:spPr>
-          <a:xfrm>
-            <a:off x="10058399" y="3181371"/>
-            <a:ext cx="1473693" cy="532660"/>
-          </a:xfrm>
-          <a:prstGeom prst="rect">
-            <a:avLst/>
-          </a:prstGeom>
-          <a:solidFill>
-            <a:srgbClr val="FFC000"/>
-          </a:solidFill>
-        </p:spPr>
-        <p:style>
-          <a:lnRef idx="2">
-            <a:schemeClr val="accent1">
-              <a:shade val="50000"/>
-            </a:schemeClr>
-          </a:lnRef>
-          <a:fillRef idx="1">
-            <a:schemeClr val="accent1"/>
-          </a:fillRef>
-          <a:effectRef idx="0">
-            <a:schemeClr val="accent1"/>
-          </a:effectRef>
-          <a:fontRef idx="minor">
-            <a:schemeClr val="lt1"/>
-          </a:fontRef>
-        </p:style>
-        <p:txBody>
-          <a:bodyPr rtlCol="0" anchor="ctr"/>
-          <a:lstStyle/>
-          <a:p>
-            <a:pPr algn="ctr"/>
-            <a:r>
-              <a:rPr lang="en-US" smtClean="0">
-                <a:solidFill>
-                  <a:schemeClr val="tx1"/>
-                </a:solidFill>
-              </a:rPr>
-              <a:t>RAOES</a:t>
-            </a:r>
-            <a:endParaRPr lang="fr-FR">
-              <a:solidFill>
-                <a:schemeClr val="tx1"/>
-              </a:solidFill>
-            </a:endParaRPr>
-          </a:p>
-        </p:txBody>
-      </p:sp>
-      <p:sp>
-        <p:nvSpPr>
           <p:cNvPr id="42" name="Flèche vers le bas 41"/>
           <p:cNvSpPr/>
           <p:nvPr/>
         </p:nvSpPr>
         <p:spPr>
           <a:xfrm>
-            <a:off x="5521911" y="2476870"/>
-            <a:ext cx="267377" cy="694223"/>
+            <a:off x="5521911" y="2132852"/>
+            <a:ext cx="267377" cy="323218"/>
           </a:xfrm>
           <a:prstGeom prst="downArrow">
             <a:avLst/>
@@ -4681,7 +3812,7 @@
         </p:nvSpPr>
         <p:spPr>
           <a:xfrm>
-            <a:off x="3810249" y="248573"/>
+            <a:off x="3810249" y="230467"/>
             <a:ext cx="461665" cy="939231"/>
           </a:xfrm>
           <a:prstGeom prst="rect">
@@ -4711,7 +3842,7 @@
         </p:nvSpPr>
         <p:spPr>
           <a:xfrm>
-            <a:off x="5834759" y="182268"/>
+            <a:off x="5834759" y="182272"/>
             <a:ext cx="461665" cy="1268489"/>
           </a:xfrm>
           <a:prstGeom prst="rect">
@@ -4741,7 +3872,7 @@
         </p:nvSpPr>
         <p:spPr>
           <a:xfrm>
-            <a:off x="3466127" y="1230545"/>
+            <a:off x="2197465" y="987111"/>
             <a:ext cx="1379673" cy="369332"/>
           </a:xfrm>
           <a:prstGeom prst="rect">
@@ -4771,7 +3902,7 @@
         </p:nvSpPr>
         <p:spPr>
           <a:xfrm>
-            <a:off x="6563216" y="1232236"/>
+            <a:off x="6560059" y="1012351"/>
             <a:ext cx="1379673" cy="369332"/>
           </a:xfrm>
           <a:prstGeom prst="rect">
@@ -4793,156 +3924,1051 @@
           </a:p>
         </p:txBody>
       </p:sp>
-      <p:sp>
-        <p:nvSpPr>
-          <p:cNvPr id="47" name="ZoneTexte 46"/>
-          <p:cNvSpPr txBox="1"/>
+      <p:grpSp>
+        <p:nvGrpSpPr>
+          <p:cNvPr id="51" name="Groupe 50"/>
+          <p:cNvGrpSpPr/>
           <p:nvPr/>
-        </p:nvSpPr>
-        <p:spPr>
+        </p:nvGrpSpPr>
+        <p:grpSpPr>
           <a:xfrm>
-            <a:off x="1130035" y="4553627"/>
-            <a:ext cx="1379673" cy="369332"/>
+            <a:off x="408373" y="2482089"/>
+            <a:ext cx="11123720" cy="2068216"/>
+            <a:chOff x="408373" y="2817055"/>
+            <a:chExt cx="11123720" cy="2068216"/>
           </a:xfrm>
-          <a:prstGeom prst="rect">
-            <a:avLst/>
-          </a:prstGeom>
-          <a:noFill/>
-        </p:spPr>
-        <p:txBody>
-          <a:bodyPr wrap="none" rtlCol="0">
-            <a:spAutoFit/>
-          </a:bodyPr>
-          <a:lstStyle/>
-          <a:p>
-            <a:r>
-              <a:rPr lang="en-US" smtClean="0"/>
-              <a:t>Modification</a:t>
-            </a:r>
-            <a:endParaRPr lang="fr-FR"/>
-          </a:p>
-        </p:txBody>
-      </p:sp>
-      <p:sp>
-        <p:nvSpPr>
-          <p:cNvPr id="48" name="ZoneTexte 47"/>
-          <p:cNvSpPr txBox="1"/>
-          <p:nvPr/>
-        </p:nvSpPr>
-        <p:spPr>
-          <a:xfrm>
-            <a:off x="4455086" y="4593964"/>
-            <a:ext cx="1379673" cy="369332"/>
-          </a:xfrm>
-          <a:prstGeom prst="rect">
-            <a:avLst/>
-          </a:prstGeom>
-          <a:noFill/>
-        </p:spPr>
-        <p:txBody>
-          <a:bodyPr wrap="none" rtlCol="0">
-            <a:spAutoFit/>
-          </a:bodyPr>
-          <a:lstStyle/>
-          <a:p>
-            <a:r>
-              <a:rPr lang="en-US" smtClean="0"/>
-              <a:t>Modification</a:t>
-            </a:r>
-            <a:endParaRPr lang="fr-FR"/>
-          </a:p>
-        </p:txBody>
-      </p:sp>
-      <p:sp>
-        <p:nvSpPr>
-          <p:cNvPr id="49" name="Flèche courbée vers le haut 48"/>
-          <p:cNvSpPr/>
-          <p:nvPr/>
-        </p:nvSpPr>
-        <p:spPr>
-          <a:xfrm>
-            <a:off x="1899272" y="5354151"/>
-            <a:ext cx="1778085" cy="321876"/>
-          </a:xfrm>
-          <a:prstGeom prst="curvedUpArrow">
-            <a:avLst/>
-          </a:prstGeom>
-          <a:noFill/>
-        </p:spPr>
-        <p:style>
-          <a:lnRef idx="2">
-            <a:schemeClr val="accent1">
-              <a:shade val="50000"/>
-            </a:schemeClr>
-          </a:lnRef>
-          <a:fillRef idx="1">
-            <a:schemeClr val="accent1"/>
-          </a:fillRef>
-          <a:effectRef idx="0">
-            <a:schemeClr val="accent1"/>
-          </a:effectRef>
-          <a:fontRef idx="minor">
-            <a:schemeClr val="lt1"/>
-          </a:fontRef>
-        </p:style>
-        <p:txBody>
-          <a:bodyPr rtlCol="0" anchor="ctr"/>
-          <a:lstStyle/>
-          <a:p>
-            <a:pPr algn="ctr"/>
-            <a:endParaRPr lang="fr-FR">
-              <a:solidFill>
-                <a:schemeClr val="tx1"/>
-              </a:solidFill>
-            </a:endParaRPr>
-          </a:p>
-        </p:txBody>
-      </p:sp>
-      <p:sp>
-        <p:nvSpPr>
-          <p:cNvPr id="50" name="Flèche courbée vers le haut 49"/>
-          <p:cNvSpPr/>
-          <p:nvPr/>
-        </p:nvSpPr>
-        <p:spPr>
-          <a:xfrm rot="10800000">
-            <a:off x="1868871" y="4963296"/>
-            <a:ext cx="1760083" cy="336704"/>
-          </a:xfrm>
-          <a:prstGeom prst="curvedUpArrow">
-            <a:avLst/>
-          </a:prstGeom>
-          <a:noFill/>
-        </p:spPr>
-        <p:style>
-          <a:lnRef idx="2">
-            <a:schemeClr val="accent1">
-              <a:shade val="50000"/>
-            </a:schemeClr>
-          </a:lnRef>
-          <a:fillRef idx="1">
-            <a:schemeClr val="accent1"/>
-          </a:fillRef>
-          <a:effectRef idx="0">
-            <a:schemeClr val="accent1"/>
-          </a:effectRef>
-          <a:fontRef idx="minor">
-            <a:schemeClr val="lt1"/>
-          </a:fontRef>
-        </p:style>
-        <p:txBody>
-          <a:bodyPr rtlCol="0" anchor="ctr"/>
-          <a:lstStyle/>
-          <a:p>
-            <a:pPr algn="ctr"/>
-            <a:endParaRPr lang="fr-FR">
-              <a:solidFill>
-                <a:schemeClr val="tx1"/>
-              </a:solidFill>
-            </a:endParaRPr>
-          </a:p>
-        </p:txBody>
-      </p:sp>
+        </p:grpSpPr>
+        <p:grpSp>
+          <p:nvGrpSpPr>
+            <p:cNvPr id="4" name="Groupe 3"/>
+            <p:cNvGrpSpPr/>
+            <p:nvPr/>
+          </p:nvGrpSpPr>
+          <p:grpSpPr>
+            <a:xfrm>
+              <a:off x="530807" y="2867419"/>
+              <a:ext cx="10552681" cy="2017851"/>
+              <a:chOff x="470555" y="3596876"/>
+              <a:chExt cx="10552681" cy="2017851"/>
+            </a:xfrm>
+          </p:grpSpPr>
+          <p:grpSp>
+            <p:nvGrpSpPr>
+              <p:cNvPr id="5" name="Groupe 4"/>
+              <p:cNvGrpSpPr/>
+              <p:nvPr/>
+            </p:nvGrpSpPr>
+            <p:grpSpPr>
+              <a:xfrm>
+                <a:off x="470555" y="4666306"/>
+                <a:ext cx="10552681" cy="948421"/>
+                <a:chOff x="197177" y="3808466"/>
+                <a:chExt cx="10552681" cy="948421"/>
+              </a:xfrm>
+            </p:grpSpPr>
+            <p:grpSp>
+              <p:nvGrpSpPr>
+                <p:cNvPr id="16" name="Groupe 15"/>
+                <p:cNvGrpSpPr/>
+                <p:nvPr/>
+              </p:nvGrpSpPr>
+              <p:grpSpPr>
+                <a:xfrm>
+                  <a:off x="197177" y="3808466"/>
+                  <a:ext cx="10552681" cy="948421"/>
+                  <a:chOff x="1402236" y="1091975"/>
+                  <a:chExt cx="10552681" cy="948421"/>
+                </a:xfrm>
+              </p:grpSpPr>
+              <p:sp>
+                <p:nvSpPr>
+                  <p:cNvPr id="19" name="Organigramme : Document 18"/>
+                  <p:cNvSpPr/>
+                  <p:nvPr/>
+                </p:nvSpPr>
+                <p:spPr>
+                  <a:xfrm>
+                    <a:off x="1402236" y="1351910"/>
+                    <a:ext cx="1359673" cy="612251"/>
+                  </a:xfrm>
+                  <a:prstGeom prst="flowChartDocument">
+                    <a:avLst/>
+                  </a:prstGeom>
+                  <a:noFill/>
+                </p:spPr>
+                <p:style>
+                  <a:lnRef idx="2">
+                    <a:schemeClr val="accent1">
+                      <a:shade val="50000"/>
+                    </a:schemeClr>
+                  </a:lnRef>
+                  <a:fillRef idx="1">
+                    <a:schemeClr val="accent1"/>
+                  </a:fillRef>
+                  <a:effectRef idx="0">
+                    <a:schemeClr val="accent1"/>
+                  </a:effectRef>
+                  <a:fontRef idx="minor">
+                    <a:schemeClr val="lt1"/>
+                  </a:fontRef>
+                </p:style>
+                <p:txBody>
+                  <a:bodyPr rtlCol="0" anchor="ctr"/>
+                  <a:lstStyle/>
+                  <a:p>
+                    <a:pPr algn="ctr"/>
+                    <a:r>
+                      <a:rPr lang="en-US" smtClean="0">
+                        <a:solidFill>
+                          <a:schemeClr val="tx1"/>
+                        </a:solidFill>
+                      </a:rPr>
+                      <a:t>UML Model</a:t>
+                    </a:r>
+                    <a:endParaRPr lang="fr-FR">
+                      <a:solidFill>
+                        <a:schemeClr val="tx1"/>
+                      </a:solidFill>
+                    </a:endParaRPr>
+                  </a:p>
+                </p:txBody>
+              </p:sp>
+              <p:sp>
+                <p:nvSpPr>
+                  <p:cNvPr id="20" name="Organigramme : Disque magnétique 19"/>
+                  <p:cNvSpPr/>
+                  <p:nvPr/>
+                </p:nvSpPr>
+                <p:spPr>
+                  <a:xfrm>
+                    <a:off x="4539995" y="1417900"/>
+                    <a:ext cx="1688970" cy="485113"/>
+                  </a:xfrm>
+                  <a:prstGeom prst="flowChartMagneticDisk">
+                    <a:avLst/>
+                  </a:prstGeom>
+                  <a:noFill/>
+                </p:spPr>
+                <p:style>
+                  <a:lnRef idx="2">
+                    <a:schemeClr val="accent1">
+                      <a:shade val="50000"/>
+                    </a:schemeClr>
+                  </a:lnRef>
+                  <a:fillRef idx="1">
+                    <a:schemeClr val="accent1"/>
+                  </a:fillRef>
+                  <a:effectRef idx="0">
+                    <a:schemeClr val="accent1"/>
+                  </a:effectRef>
+                  <a:fontRef idx="minor">
+                    <a:schemeClr val="lt1"/>
+                  </a:fontRef>
+                </p:style>
+                <p:txBody>
+                  <a:bodyPr rtlCol="0" anchor="ctr"/>
+                  <a:lstStyle/>
+                  <a:p>
+                    <a:pPr algn="ctr"/>
+                    <a:r>
+                      <a:rPr lang="en-US" smtClean="0">
+                        <a:solidFill>
+                          <a:schemeClr val="tx1"/>
+                        </a:solidFill>
+                      </a:rPr>
+                      <a:t>Front-end Code</a:t>
+                    </a:r>
+                    <a:endParaRPr lang="fr-FR">
+                      <a:solidFill>
+                        <a:schemeClr val="tx1"/>
+                      </a:solidFill>
+                    </a:endParaRPr>
+                  </a:p>
+                </p:txBody>
+              </p:sp>
+              <p:pic>
+                <p:nvPicPr>
+                  <p:cNvPr id="21" name="Picture 4" descr="See original image"/>
+                  <p:cNvPicPr>
+                    <a:picLocks noChangeAspect="1" noChangeArrowheads="1"/>
+                  </p:cNvPicPr>
+                  <p:nvPr/>
+                </p:nvPicPr>
+                <p:blipFill>
+                  <a:blip r:embed="rId2" cstate="print">
+                    <a:extLst>
+                      <a:ext uri="{28A0092B-C50C-407E-A947-70E740481C1C}">
+                        <a14:useLocalDpi xmlns:a14="http://schemas.microsoft.com/office/drawing/2010/main" val="0"/>
+                      </a:ext>
+                    </a:extLst>
+                  </a:blip>
+                  <a:srcRect/>
+                  <a:stretch>
+                    <a:fillRect/>
+                  </a:stretch>
+                </p:blipFill>
+                <p:spPr bwMode="auto">
+                  <a:xfrm>
+                    <a:off x="11441189" y="1091975"/>
+                    <a:ext cx="513728" cy="948421"/>
+                  </a:xfrm>
+                  <a:prstGeom prst="rect">
+                    <a:avLst/>
+                  </a:prstGeom>
+                  <a:noFill/>
+                  <a:extLst>
+                    <a:ext uri="{909E8E84-426E-40DD-AFC4-6F175D3DCCD1}">
+                      <a14:hiddenFill xmlns:a14="http://schemas.microsoft.com/office/drawing/2010/main">
+                        <a:solidFill>
+                          <a:srgbClr val="FFFFFF"/>
+                        </a:solidFill>
+                      </a14:hiddenFill>
+                    </a:ext>
+                  </a:extLst>
+                </p:spPr>
+              </p:pic>
+              <p:cxnSp>
+                <p:nvCxnSpPr>
+                  <p:cNvPr id="23" name="Connecteur droit avec flèche 22"/>
+                  <p:cNvCxnSpPr>
+                    <a:stCxn id="17" idx="4"/>
+                  </p:cNvCxnSpPr>
+                  <p:nvPr/>
+                </p:nvCxnSpPr>
+                <p:spPr>
+                  <a:xfrm flipV="1">
+                    <a:off x="9800928" y="1658036"/>
+                    <a:ext cx="1640261" cy="2421"/>
+                  </a:xfrm>
+                  <a:prstGeom prst="straightConnector1">
+                    <a:avLst/>
+                  </a:prstGeom>
+                  <a:ln>
+                    <a:tailEnd type="triangle"/>
+                  </a:ln>
+                </p:spPr>
+                <p:style>
+                  <a:lnRef idx="1">
+                    <a:schemeClr val="accent1"/>
+                  </a:lnRef>
+                  <a:fillRef idx="0">
+                    <a:schemeClr val="accent1"/>
+                  </a:fillRef>
+                  <a:effectRef idx="0">
+                    <a:schemeClr val="accent1"/>
+                  </a:effectRef>
+                  <a:fontRef idx="minor">
+                    <a:schemeClr val="tx1"/>
+                  </a:fontRef>
+                </p:style>
+              </p:cxnSp>
+            </p:grpSp>
+            <p:sp>
+              <p:nvSpPr>
+                <p:cNvPr id="17" name="Organigramme : Disque magnétique 16"/>
+                <p:cNvSpPr/>
+                <p:nvPr/>
+              </p:nvSpPr>
+              <p:spPr>
+                <a:xfrm>
+                  <a:off x="6906899" y="4134391"/>
+                  <a:ext cx="1688970" cy="485113"/>
+                </a:xfrm>
+                <a:prstGeom prst="flowChartMagneticDisk">
+                  <a:avLst/>
+                </a:prstGeom>
+                <a:noFill/>
+              </p:spPr>
+              <p:style>
+                <a:lnRef idx="2">
+                  <a:schemeClr val="accent1">
+                    <a:shade val="50000"/>
+                  </a:schemeClr>
+                </a:lnRef>
+                <a:fillRef idx="1">
+                  <a:schemeClr val="accent1"/>
+                </a:fillRef>
+                <a:effectRef idx="0">
+                  <a:schemeClr val="accent1"/>
+                </a:effectRef>
+                <a:fontRef idx="minor">
+                  <a:schemeClr val="lt1"/>
+                </a:fontRef>
+              </p:style>
+              <p:txBody>
+                <a:bodyPr rtlCol="0" anchor="ctr"/>
+                <a:lstStyle/>
+                <a:p>
+                  <a:pPr algn="ctr"/>
+                  <a:r>
+                    <a:rPr lang="en-US" smtClean="0">
+                      <a:solidFill>
+                        <a:schemeClr val="tx1"/>
+                      </a:solidFill>
+                    </a:rPr>
+                    <a:t>Back-end Code</a:t>
+                  </a:r>
+                  <a:endParaRPr lang="fr-FR">
+                    <a:solidFill>
+                      <a:schemeClr val="tx1"/>
+                    </a:solidFill>
+                  </a:endParaRPr>
+                </a:p>
+              </p:txBody>
+            </p:sp>
+            <p:cxnSp>
+              <p:nvCxnSpPr>
+                <p:cNvPr id="18" name="Connecteur droit avec flèche 17"/>
+                <p:cNvCxnSpPr>
+                  <a:stCxn id="20" idx="4"/>
+                  <a:endCxn id="17" idx="2"/>
+                </p:cNvCxnSpPr>
+                <p:nvPr/>
+              </p:nvCxnSpPr>
+              <p:spPr>
+                <a:xfrm>
+                  <a:off x="5023906" y="4376948"/>
+                  <a:ext cx="1882993" cy="0"/>
+                </a:xfrm>
+                <a:prstGeom prst="straightConnector1">
+                  <a:avLst/>
+                </a:prstGeom>
+                <a:ln>
+                  <a:tailEnd type="triangle"/>
+                </a:ln>
+              </p:spPr>
+              <p:style>
+                <a:lnRef idx="1">
+                  <a:schemeClr val="accent1"/>
+                </a:lnRef>
+                <a:fillRef idx="0">
+                  <a:schemeClr val="accent1"/>
+                </a:fillRef>
+                <a:effectRef idx="0">
+                  <a:schemeClr val="accent1"/>
+                </a:effectRef>
+                <a:fontRef idx="minor">
+                  <a:schemeClr val="tx1"/>
+                </a:fontRef>
+              </p:style>
+            </p:cxnSp>
+          </p:grpSp>
+          <p:sp>
+            <p:nvSpPr>
+              <p:cNvPr id="6" name="ZoneTexte 5"/>
+              <p:cNvSpPr txBox="1"/>
+              <p:nvPr/>
+            </p:nvSpPr>
+            <p:spPr>
+              <a:xfrm>
+                <a:off x="9039199" y="4926241"/>
+                <a:ext cx="1300356" cy="646331"/>
+              </a:xfrm>
+              <a:prstGeom prst="rect">
+                <a:avLst/>
+              </a:prstGeom>
+              <a:noFill/>
+            </p:spPr>
+            <p:txBody>
+              <a:bodyPr wrap="none" rtlCol="0">
+                <a:spAutoFit/>
+              </a:bodyPr>
+              <a:lstStyle/>
+              <a:p>
+                <a:r>
+                  <a:rPr lang="vi-VN" smtClean="0"/>
+                  <a:t>Code </a:t>
+                </a:r>
+              </a:p>
+              <a:p>
+                <a:r>
+                  <a:rPr lang="vi-VN" smtClean="0"/>
+                  <a:t>compilaton</a:t>
+                </a:r>
+                <a:endParaRPr lang="fr-FR"/>
+              </a:p>
+            </p:txBody>
+          </p:sp>
+          <p:sp>
+            <p:nvSpPr>
+              <p:cNvPr id="7" name="ZoneTexte 6"/>
+              <p:cNvSpPr txBox="1"/>
+              <p:nvPr/>
+            </p:nvSpPr>
+            <p:spPr>
+              <a:xfrm>
+                <a:off x="1883860" y="5033558"/>
+                <a:ext cx="1675780" cy="369332"/>
+              </a:xfrm>
+              <a:prstGeom prst="rect">
+                <a:avLst/>
+              </a:prstGeom>
+              <a:noFill/>
+            </p:spPr>
+            <p:txBody>
+              <a:bodyPr wrap="none" rtlCol="0">
+                <a:spAutoFit/>
+              </a:bodyPr>
+              <a:lstStyle/>
+              <a:p>
+                <a:r>
+                  <a:rPr lang="en-US" smtClean="0"/>
+                  <a:t>Synchronization</a:t>
+                </a:r>
+                <a:endParaRPr lang="fr-FR"/>
+              </a:p>
+            </p:txBody>
+          </p:sp>
+          <p:sp>
+            <p:nvSpPr>
+              <p:cNvPr id="8" name="ZoneTexte 7"/>
+              <p:cNvSpPr txBox="1"/>
+              <p:nvPr/>
+            </p:nvSpPr>
+            <p:spPr>
+              <a:xfrm>
+                <a:off x="5706101" y="4892161"/>
+                <a:ext cx="1274708" cy="646331"/>
+              </a:xfrm>
+              <a:prstGeom prst="rect">
+                <a:avLst/>
+              </a:prstGeom>
+              <a:noFill/>
+            </p:spPr>
+            <p:txBody>
+              <a:bodyPr wrap="none" rtlCol="0">
+                <a:spAutoFit/>
+              </a:bodyPr>
+              <a:lstStyle/>
+              <a:p>
+                <a:r>
+                  <a:rPr lang="vi-VN" smtClean="0"/>
+                  <a:t>Back-end </a:t>
+                </a:r>
+              </a:p>
+              <a:p>
+                <a:r>
+                  <a:rPr lang="vi-VN" smtClean="0"/>
+                  <a:t>generation</a:t>
+                </a:r>
+                <a:endParaRPr lang="fr-FR"/>
+              </a:p>
+            </p:txBody>
+          </p:sp>
+          <p:grpSp>
+            <p:nvGrpSpPr>
+              <p:cNvPr id="9" name="Groupe 8"/>
+              <p:cNvGrpSpPr/>
+              <p:nvPr/>
+            </p:nvGrpSpPr>
+            <p:grpSpPr>
+              <a:xfrm>
+                <a:off x="800540" y="3596876"/>
+                <a:ext cx="7141484" cy="1395355"/>
+                <a:chOff x="951370" y="785619"/>
+                <a:chExt cx="7141484" cy="1395355"/>
+              </a:xfrm>
+            </p:grpSpPr>
+            <p:pic>
+              <p:nvPicPr>
+                <p:cNvPr id="10" name="Picture 2" descr="C:\Documents\Slides\architect.jpg"/>
+                <p:cNvPicPr>
+                  <a:picLocks noChangeAspect="1" noChangeArrowheads="1"/>
+                </p:cNvPicPr>
+                <p:nvPr/>
+              </p:nvPicPr>
+              <p:blipFill>
+                <a:blip r:embed="rId3" cstate="print">
+                  <a:extLst>
+                    <a:ext uri="{28A0092B-C50C-407E-A947-70E740481C1C}">
+                      <a14:useLocalDpi xmlns:a14="http://schemas.microsoft.com/office/drawing/2010/main" val="0"/>
+                    </a:ext>
+                  </a:extLst>
+                </a:blip>
+                <a:srcRect/>
+                <a:stretch>
+                  <a:fillRect/>
+                </a:stretch>
+              </p:blipFill>
+              <p:spPr bwMode="auto">
+                <a:xfrm>
+                  <a:off x="951370" y="1124731"/>
+                  <a:ext cx="705115" cy="621298"/>
+                </a:xfrm>
+                <a:prstGeom prst="rect">
+                  <a:avLst/>
+                </a:prstGeom>
+                <a:noFill/>
+                <a:ln>
+                  <a:solidFill>
+                    <a:schemeClr val="tx1"/>
+                  </a:solidFill>
+                </a:ln>
+                <a:extLst>
+                  <a:ext uri="{909E8E84-426E-40DD-AFC4-6F175D3DCCD1}">
+                    <a14:hiddenFill xmlns:a14="http://schemas.microsoft.com/office/drawing/2010/main">
+                      <a:solidFill>
+                        <a:srgbClr val="FFFFFF"/>
+                      </a:solidFill>
+                    </a14:hiddenFill>
+                  </a:ext>
+                </a:extLst>
+              </p:spPr>
+            </p:pic>
+            <p:pic>
+              <p:nvPicPr>
+                <p:cNvPr id="11" name="Picture 3" descr="C:\Documents\Slides\coder.jpg"/>
+                <p:cNvPicPr>
+                  <a:picLocks noChangeAspect="1" noChangeArrowheads="1"/>
+                </p:cNvPicPr>
+                <p:nvPr/>
+              </p:nvPicPr>
+              <p:blipFill>
+                <a:blip r:embed="rId4" cstate="print">
+                  <a:extLst>
+                    <a:ext uri="{28A0092B-C50C-407E-A947-70E740481C1C}">
+                      <a14:useLocalDpi xmlns:a14="http://schemas.microsoft.com/office/drawing/2010/main" val="0"/>
+                    </a:ext>
+                  </a:extLst>
+                </a:blip>
+                <a:srcRect/>
+                <a:stretch>
+                  <a:fillRect/>
+                </a:stretch>
+              </p:blipFill>
+              <p:spPr bwMode="auto">
+                <a:xfrm>
+                  <a:off x="4246542" y="1164169"/>
+                  <a:ext cx="705288" cy="581860"/>
+                </a:xfrm>
+                <a:prstGeom prst="rect">
+                  <a:avLst/>
+                </a:prstGeom>
+                <a:noFill/>
+                <a:ln>
+                  <a:solidFill>
+                    <a:schemeClr val="accent1">
+                      <a:shade val="95000"/>
+                      <a:satMod val="105000"/>
+                    </a:schemeClr>
+                  </a:solidFill>
+                </a:ln>
+                <a:extLst>
+                  <a:ext uri="{909E8E84-426E-40DD-AFC4-6F175D3DCCD1}">
+                    <a14:hiddenFill xmlns:a14="http://schemas.microsoft.com/office/drawing/2010/main">
+                      <a:solidFill>
+                        <a:srgbClr val="FFFFFF"/>
+                      </a:solidFill>
+                    </a14:hiddenFill>
+                  </a:ext>
+                </a:extLst>
+              </p:spPr>
+            </p:pic>
+            <p:cxnSp>
+              <p:nvCxnSpPr>
+                <p:cNvPr id="12" name="Connecteur droit avec flèche 11"/>
+                <p:cNvCxnSpPr>
+                  <a:stCxn id="10" idx="2"/>
+                  <a:endCxn id="19" idx="0"/>
+                </p:cNvCxnSpPr>
+                <p:nvPr/>
+              </p:nvCxnSpPr>
+              <p:spPr>
+                <a:xfrm flipH="1">
+                  <a:off x="1301222" y="1746029"/>
+                  <a:ext cx="2706" cy="368955"/>
+                </a:xfrm>
+                <a:prstGeom prst="straightConnector1">
+                  <a:avLst/>
+                </a:prstGeom>
+                <a:ln>
+                  <a:tailEnd type="triangle"/>
+                </a:ln>
+              </p:spPr>
+              <p:style>
+                <a:lnRef idx="1">
+                  <a:schemeClr val="accent1"/>
+                </a:lnRef>
+                <a:fillRef idx="0">
+                  <a:schemeClr val="accent1"/>
+                </a:fillRef>
+                <a:effectRef idx="0">
+                  <a:schemeClr val="accent1"/>
+                </a:effectRef>
+                <a:fontRef idx="minor">
+                  <a:schemeClr val="tx1"/>
+                </a:fontRef>
+              </p:style>
+            </p:cxnSp>
+            <p:cxnSp>
+              <p:nvCxnSpPr>
+                <p:cNvPr id="13" name="Connecteur droit avec flèche 12"/>
+                <p:cNvCxnSpPr>
+                  <a:stCxn id="11" idx="2"/>
+                  <a:endCxn id="20" idx="1"/>
+                </p:cNvCxnSpPr>
+                <p:nvPr/>
+              </p:nvCxnSpPr>
+              <p:spPr>
+                <a:xfrm>
+                  <a:off x="4599186" y="1746029"/>
+                  <a:ext cx="4443" cy="434945"/>
+                </a:xfrm>
+                <a:prstGeom prst="straightConnector1">
+                  <a:avLst/>
+                </a:prstGeom>
+                <a:ln>
+                  <a:tailEnd type="triangle"/>
+                </a:ln>
+              </p:spPr>
+              <p:style>
+                <a:lnRef idx="1">
+                  <a:schemeClr val="accent1"/>
+                </a:lnRef>
+                <a:fillRef idx="0">
+                  <a:schemeClr val="accent1"/>
+                </a:fillRef>
+                <a:effectRef idx="0">
+                  <a:schemeClr val="accent1"/>
+                </a:effectRef>
+                <a:fontRef idx="minor">
+                  <a:schemeClr val="tx1"/>
+                </a:fontRef>
+              </p:style>
+            </p:cxnSp>
+            <p:sp>
+              <p:nvSpPr>
+                <p:cNvPr id="14" name="Légende encadrée 1 13"/>
+                <p:cNvSpPr/>
+                <p:nvPr/>
+              </p:nvSpPr>
+              <p:spPr>
+                <a:xfrm>
+                  <a:off x="1758423" y="803721"/>
+                  <a:ext cx="2278916" cy="658616"/>
+                </a:xfrm>
+                <a:prstGeom prst="borderCallout1">
+                  <a:avLst>
+                    <a:gd name="adj1" fmla="val 101128"/>
+                    <a:gd name="adj2" fmla="val 44314"/>
+                    <a:gd name="adj3" fmla="val 130728"/>
+                    <a:gd name="adj4" fmla="val -4305"/>
+                  </a:avLst>
+                </a:prstGeom>
+                <a:noFill/>
+              </p:spPr>
+              <p:style>
+                <a:lnRef idx="2">
+                  <a:schemeClr val="accent1">
+                    <a:shade val="50000"/>
+                  </a:schemeClr>
+                </a:lnRef>
+                <a:fillRef idx="1">
+                  <a:schemeClr val="accent1"/>
+                </a:fillRef>
+                <a:effectRef idx="0">
+                  <a:schemeClr val="accent1"/>
+                </a:effectRef>
+                <a:fontRef idx="minor">
+                  <a:schemeClr val="lt1"/>
+                </a:fontRef>
+              </p:style>
+              <p:txBody>
+                <a:bodyPr rtlCol="0" anchor="ctr"/>
+                <a:lstStyle/>
+                <a:p>
+                  <a:r>
+                    <a:rPr lang="en-US" smtClean="0">
+                      <a:solidFill>
+                        <a:schemeClr val="tx1"/>
+                      </a:solidFill>
+                    </a:rPr>
+                    <a:t>-</a:t>
+                  </a:r>
+                  <a:r>
+                    <a:rPr lang="vi-VN">
+                      <a:solidFill>
+                        <a:schemeClr val="tx1"/>
+                      </a:solidFill>
+                    </a:rPr>
+                    <a:t>S</a:t>
+                  </a:r>
+                  <a:r>
+                    <a:rPr lang="vi-VN" smtClean="0">
+                      <a:solidFill>
+                        <a:schemeClr val="tx1"/>
+                      </a:solidFill>
+                    </a:rPr>
+                    <a:t>tructure changes</a:t>
+                  </a:r>
+                </a:p>
+                <a:p>
+                  <a:r>
+                    <a:rPr lang="vi-VN" smtClean="0">
+                      <a:solidFill>
+                        <a:schemeClr val="tx1"/>
+                      </a:solidFill>
+                    </a:rPr>
+                    <a:t>-Behavior changes</a:t>
+                  </a:r>
+                  <a:endParaRPr lang="fr-FR">
+                    <a:solidFill>
+                      <a:schemeClr val="tx1"/>
+                    </a:solidFill>
+                  </a:endParaRPr>
+                </a:p>
+              </p:txBody>
+            </p:sp>
+            <p:sp>
+              <p:nvSpPr>
+                <p:cNvPr id="15" name="Légende encadrée 1 14"/>
+                <p:cNvSpPr/>
+                <p:nvPr/>
+              </p:nvSpPr>
+              <p:spPr>
+                <a:xfrm>
+                  <a:off x="5813938" y="785619"/>
+                  <a:ext cx="2278916" cy="795131"/>
+                </a:xfrm>
+                <a:prstGeom prst="borderCallout1">
+                  <a:avLst>
+                    <a:gd name="adj1" fmla="val 48170"/>
+                    <a:gd name="adj2" fmla="val -360"/>
+                    <a:gd name="adj3" fmla="val 66760"/>
+                    <a:gd name="adj4" fmla="val -37515"/>
+                  </a:avLst>
+                </a:prstGeom>
+                <a:noFill/>
+              </p:spPr>
+              <p:style>
+                <a:lnRef idx="2">
+                  <a:schemeClr val="accent1">
+                    <a:shade val="50000"/>
+                  </a:schemeClr>
+                </a:lnRef>
+                <a:fillRef idx="1">
+                  <a:schemeClr val="accent1"/>
+                </a:fillRef>
+                <a:effectRef idx="0">
+                  <a:schemeClr val="accent1"/>
+                </a:effectRef>
+                <a:fontRef idx="minor">
+                  <a:schemeClr val="lt1"/>
+                </a:fontRef>
+              </p:style>
+              <p:txBody>
+                <a:bodyPr rtlCol="0" anchor="ctr"/>
+                <a:lstStyle/>
+                <a:p>
+                  <a:r>
+                    <a:rPr lang="en-US" smtClean="0">
+                      <a:solidFill>
+                        <a:schemeClr val="tx1"/>
+                      </a:solidFill>
+                    </a:rPr>
+                    <a:t>-</a:t>
+                  </a:r>
+                  <a:r>
+                    <a:rPr lang="vi-VN" smtClean="0">
+                      <a:solidFill>
+                        <a:schemeClr val="tx1"/>
+                      </a:solidFill>
+                    </a:rPr>
+                    <a:t>User code changes</a:t>
+                  </a:r>
+                </a:p>
+                <a:p>
+                  <a:r>
+                    <a:rPr lang="vi-VN" smtClean="0">
+                      <a:solidFill>
+                        <a:schemeClr val="tx1"/>
+                      </a:solidFill>
+                    </a:rPr>
+                    <a:t>-Behavior changes</a:t>
+                  </a:r>
+                  <a:endParaRPr lang="en-US" smtClean="0">
+                    <a:solidFill>
+                      <a:schemeClr val="tx1"/>
+                    </a:solidFill>
+                  </a:endParaRPr>
+                </a:p>
+                <a:p>
+                  <a:r>
+                    <a:rPr lang="en-US" smtClean="0">
+                      <a:solidFill>
+                        <a:schemeClr val="tx1"/>
+                      </a:solidFill>
+                      <a:latin typeface="Arial" panose="020B0604020202020204" pitchFamily="34" charset="0"/>
+                      <a:cs typeface="Arial" panose="020B0604020202020204" pitchFamily="34" charset="0"/>
+                    </a:rPr>
+                    <a:t>-Structure changes</a:t>
+                  </a:r>
+                  <a:endParaRPr lang="fr-FR">
+                    <a:solidFill>
+                      <a:schemeClr val="tx1"/>
+                    </a:solidFill>
+                    <a:latin typeface="Arial" panose="020B0604020202020204" pitchFamily="34" charset="0"/>
+                    <a:cs typeface="Arial" panose="020B0604020202020204" pitchFamily="34" charset="0"/>
+                  </a:endParaRPr>
+                </a:p>
+              </p:txBody>
+            </p:sp>
+          </p:grpSp>
+        </p:grpSp>
+        <p:sp>
+          <p:nvSpPr>
+            <p:cNvPr id="40" name="Rectangle 39"/>
+            <p:cNvSpPr/>
+            <p:nvPr/>
+          </p:nvSpPr>
+          <p:spPr>
+            <a:xfrm>
+              <a:off x="408373" y="2817055"/>
+              <a:ext cx="11123720" cy="2068216"/>
+            </a:xfrm>
+            <a:prstGeom prst="rect">
+              <a:avLst/>
+            </a:prstGeom>
+            <a:noFill/>
+          </p:spPr>
+          <p:style>
+            <a:lnRef idx="2">
+              <a:schemeClr val="accent1">
+                <a:shade val="50000"/>
+              </a:schemeClr>
+            </a:lnRef>
+            <a:fillRef idx="1">
+              <a:schemeClr val="accent1"/>
+            </a:fillRef>
+            <a:effectRef idx="0">
+              <a:schemeClr val="accent1"/>
+            </a:effectRef>
+            <a:fontRef idx="minor">
+              <a:schemeClr val="lt1"/>
+            </a:fontRef>
+          </p:style>
+          <p:txBody>
+            <a:bodyPr rtlCol="0" anchor="ctr"/>
+            <a:lstStyle/>
+            <a:p>
+              <a:pPr algn="ctr"/>
+              <a:endParaRPr lang="fr-FR"/>
+            </a:p>
+          </p:txBody>
+        </p:sp>
+        <p:sp>
+          <p:nvSpPr>
+            <p:cNvPr id="41" name="Rectangle 40"/>
+            <p:cNvSpPr/>
+            <p:nvPr/>
+          </p:nvSpPr>
+          <p:spPr>
+            <a:xfrm>
+              <a:off x="10058399" y="2819233"/>
+              <a:ext cx="1473693" cy="532660"/>
+            </a:xfrm>
+            <a:prstGeom prst="rect">
+              <a:avLst/>
+            </a:prstGeom>
+            <a:solidFill>
+              <a:schemeClr val="tx2">
+                <a:lumMod val="20000"/>
+                <a:lumOff val="80000"/>
+              </a:schemeClr>
+            </a:solidFill>
+          </p:spPr>
+          <p:style>
+            <a:lnRef idx="2">
+              <a:schemeClr val="accent1">
+                <a:shade val="50000"/>
+              </a:schemeClr>
+            </a:lnRef>
+            <a:fillRef idx="1">
+              <a:schemeClr val="accent1"/>
+            </a:fillRef>
+            <a:effectRef idx="0">
+              <a:schemeClr val="accent1"/>
+            </a:effectRef>
+            <a:fontRef idx="minor">
+              <a:schemeClr val="lt1"/>
+            </a:fontRef>
+          </p:style>
+          <p:txBody>
+            <a:bodyPr rtlCol="0" anchor="ctr"/>
+            <a:lstStyle/>
+            <a:p>
+              <a:pPr algn="ctr"/>
+              <a:r>
+                <a:rPr lang="en-US" smtClean="0">
+                  <a:solidFill>
+                    <a:schemeClr val="tx1"/>
+                  </a:solidFill>
+                </a:rPr>
+                <a:t>RAOES</a:t>
+              </a:r>
+              <a:endParaRPr lang="fr-FR">
+                <a:solidFill>
+                  <a:schemeClr val="tx1"/>
+                </a:solidFill>
+              </a:endParaRPr>
+            </a:p>
+          </p:txBody>
+        </p:sp>
+        <p:sp>
+          <p:nvSpPr>
+            <p:cNvPr id="47" name="ZoneTexte 46"/>
+            <p:cNvSpPr txBox="1"/>
+            <p:nvPr/>
+          </p:nvSpPr>
+          <p:spPr>
+            <a:xfrm>
+              <a:off x="1130035" y="3793139"/>
+              <a:ext cx="1379673" cy="369332"/>
+            </a:xfrm>
+            <a:prstGeom prst="rect">
+              <a:avLst/>
+            </a:prstGeom>
+            <a:noFill/>
+          </p:spPr>
+          <p:txBody>
+            <a:bodyPr wrap="none" rtlCol="0">
+              <a:spAutoFit/>
+            </a:bodyPr>
+            <a:lstStyle/>
+            <a:p>
+              <a:r>
+                <a:rPr lang="en-US" smtClean="0"/>
+                <a:t>Modification</a:t>
+              </a:r>
+              <a:endParaRPr lang="fr-FR"/>
+            </a:p>
+          </p:txBody>
+        </p:sp>
+        <p:sp>
+          <p:nvSpPr>
+            <p:cNvPr id="48" name="ZoneTexte 47"/>
+            <p:cNvSpPr txBox="1"/>
+            <p:nvPr/>
+          </p:nvSpPr>
+          <p:spPr>
+            <a:xfrm>
+              <a:off x="4455086" y="3869691"/>
+              <a:ext cx="1379673" cy="369332"/>
+            </a:xfrm>
+            <a:prstGeom prst="rect">
+              <a:avLst/>
+            </a:prstGeom>
+            <a:noFill/>
+          </p:spPr>
+          <p:txBody>
+            <a:bodyPr wrap="none" rtlCol="0">
+              <a:spAutoFit/>
+            </a:bodyPr>
+            <a:lstStyle/>
+            <a:p>
+              <a:r>
+                <a:rPr lang="en-US" smtClean="0"/>
+                <a:t>Modification</a:t>
+              </a:r>
+              <a:endParaRPr lang="fr-FR"/>
+            </a:p>
+          </p:txBody>
+        </p:sp>
+        <p:sp>
+          <p:nvSpPr>
+            <p:cNvPr id="49" name="Flèche courbée vers le haut 48"/>
+            <p:cNvSpPr/>
+            <p:nvPr/>
+          </p:nvSpPr>
+          <p:spPr>
+            <a:xfrm>
+              <a:off x="1899272" y="4521239"/>
+              <a:ext cx="1778085" cy="321876"/>
+            </a:xfrm>
+            <a:prstGeom prst="curvedUpArrow">
+              <a:avLst/>
+            </a:prstGeom>
+            <a:solidFill>
+              <a:schemeClr val="accent1"/>
+            </a:solidFill>
+          </p:spPr>
+          <p:style>
+            <a:lnRef idx="2">
+              <a:schemeClr val="accent1">
+                <a:shade val="50000"/>
+              </a:schemeClr>
+            </a:lnRef>
+            <a:fillRef idx="1">
+              <a:schemeClr val="accent1"/>
+            </a:fillRef>
+            <a:effectRef idx="0">
+              <a:schemeClr val="accent1"/>
+            </a:effectRef>
+            <a:fontRef idx="minor">
+              <a:schemeClr val="lt1"/>
+            </a:fontRef>
+          </p:style>
+          <p:txBody>
+            <a:bodyPr rtlCol="0" anchor="ctr"/>
+            <a:lstStyle/>
+            <a:p>
+              <a:pPr algn="ctr"/>
+              <a:endParaRPr lang="fr-FR">
+                <a:solidFill>
+                  <a:schemeClr val="tx1"/>
+                </a:solidFill>
+              </a:endParaRPr>
+            </a:p>
+          </p:txBody>
+        </p:sp>
+        <p:sp>
+          <p:nvSpPr>
+            <p:cNvPr id="50" name="Flèche courbée vers le haut 49"/>
+            <p:cNvSpPr/>
+            <p:nvPr/>
+          </p:nvSpPr>
+          <p:spPr>
+            <a:xfrm rot="10800000">
+              <a:off x="1868871" y="4130384"/>
+              <a:ext cx="1760083" cy="336704"/>
+            </a:xfrm>
+            <a:prstGeom prst="curvedUpArrow">
+              <a:avLst/>
+            </a:prstGeom>
+            <a:solidFill>
+              <a:schemeClr val="accent1"/>
+            </a:solidFill>
+          </p:spPr>
+          <p:style>
+            <a:lnRef idx="2">
+              <a:schemeClr val="accent1">
+                <a:shade val="50000"/>
+              </a:schemeClr>
+            </a:lnRef>
+            <a:fillRef idx="1">
+              <a:schemeClr val="accent1"/>
+            </a:fillRef>
+            <a:effectRef idx="0">
+              <a:schemeClr val="accent1"/>
+            </a:effectRef>
+            <a:fontRef idx="minor">
+              <a:schemeClr val="lt1"/>
+            </a:fontRef>
+          </p:style>
+          <p:txBody>
+            <a:bodyPr rtlCol="0" anchor="ctr"/>
+            <a:lstStyle/>
+            <a:p>
+              <a:pPr algn="ctr"/>
+              <a:endParaRPr lang="fr-FR">
+                <a:solidFill>
+                  <a:schemeClr val="tx1"/>
+                </a:solidFill>
+              </a:endParaRPr>
+            </a:p>
+          </p:txBody>
+        </p:sp>
+      </p:grpSp>
     </p:spTree>
     <p:extLst>
       <p:ext uri="{BB962C8B-B14F-4D97-AF65-F5344CB8AC3E}">
